--- a/slides/gametech12.pptx
+++ b/slides/gametech12.pptx
@@ -5,10 +5,10 @@
     <p:sldMasterId id="2147483652" r:id="rId1"/>
   </p:sldMasterIdLst>
   <p:notesMasterIdLst>
-    <p:notesMasterId r:id="rId46"/>
+    <p:notesMasterId r:id="rId50"/>
   </p:notesMasterIdLst>
   <p:handoutMasterIdLst>
-    <p:handoutMasterId r:id="rId47"/>
+    <p:handoutMasterId r:id="rId51"/>
   </p:handoutMasterIdLst>
   <p:sldIdLst>
     <p:sldId id="325" r:id="rId2"/>
@@ -52,9 +52,13 @@
     <p:sldId id="434" r:id="rId40"/>
     <p:sldId id="460" r:id="rId41"/>
     <p:sldId id="461" r:id="rId42"/>
-    <p:sldId id="462" r:id="rId43"/>
-    <p:sldId id="463" r:id="rId44"/>
-    <p:sldId id="464" r:id="rId45"/>
+    <p:sldId id="465" r:id="rId43"/>
+    <p:sldId id="467" r:id="rId44"/>
+    <p:sldId id="466" r:id="rId45"/>
+    <p:sldId id="468" r:id="rId46"/>
+    <p:sldId id="462" r:id="rId47"/>
+    <p:sldId id="463" r:id="rId48"/>
+    <p:sldId id="464" r:id="rId49"/>
   </p:sldIdLst>
   <p:sldSz cx="9144000" cy="6858000" type="screen4x3"/>
   <p:notesSz cx="6858000" cy="9947275"/>
@@ -306,14 +310,14 @@
           <a:effectLst/>
           <a:extLst>
             <a:ext uri="{909E8E84-426E-40dd-AFC4-6F175D3DCCD1}">
-              <a14:hiddenFill xmlns:a14="http://schemas.microsoft.com/office/drawing/2010/main" xmlns="">
+              <a14:hiddenFill xmlns="" xmlns:a14="http://schemas.microsoft.com/office/drawing/2010/main">
                 <a:solidFill>
                   <a:schemeClr val="accent1"/>
                 </a:solidFill>
               </a14:hiddenFill>
             </a:ext>
             <a:ext uri="{91240B29-F687-4f45-9708-019B960494DF}">
-              <a14:hiddenLine xmlns:a14="http://schemas.microsoft.com/office/drawing/2010/main" xmlns="" w="9525">
+              <a14:hiddenLine xmlns="" xmlns:a14="http://schemas.microsoft.com/office/drawing/2010/main" w="9525">
                 <a:solidFill>
                   <a:schemeClr val="tx1"/>
                 </a:solidFill>
@@ -323,7 +327,7 @@
               </a14:hiddenLine>
             </a:ext>
             <a:ext uri="{AF507438-7753-43e0-B8FC-AC1667EBCBE1}">
-              <a14:hiddenEffects xmlns:a14="http://schemas.microsoft.com/office/drawing/2010/main" xmlns="">
+              <a14:hiddenEffects xmlns="" xmlns:a14="http://schemas.microsoft.com/office/drawing/2010/main">
                 <a:effectLst>
                   <a:outerShdw dist="35921" dir="2700000" algn="ctr" rotWithShape="0">
                     <a:schemeClr val="bg2"/>
@@ -384,14 +388,14 @@
           <a:effectLst/>
           <a:extLst>
             <a:ext uri="{909E8E84-426E-40dd-AFC4-6F175D3DCCD1}">
-              <a14:hiddenFill xmlns:a14="http://schemas.microsoft.com/office/drawing/2010/main" xmlns="">
+              <a14:hiddenFill xmlns="" xmlns:a14="http://schemas.microsoft.com/office/drawing/2010/main">
                 <a:solidFill>
                   <a:schemeClr val="accent1"/>
                 </a:solidFill>
               </a14:hiddenFill>
             </a:ext>
             <a:ext uri="{91240B29-F687-4f45-9708-019B960494DF}">
-              <a14:hiddenLine xmlns:a14="http://schemas.microsoft.com/office/drawing/2010/main" xmlns="" w="9525">
+              <a14:hiddenLine xmlns="" xmlns:a14="http://schemas.microsoft.com/office/drawing/2010/main" w="9525">
                 <a:solidFill>
                   <a:schemeClr val="tx1"/>
                 </a:solidFill>
@@ -401,7 +405,7 @@
               </a14:hiddenLine>
             </a:ext>
             <a:ext uri="{AF507438-7753-43e0-B8FC-AC1667EBCBE1}">
-              <a14:hiddenEffects xmlns:a14="http://schemas.microsoft.com/office/drawing/2010/main" xmlns="">
+              <a14:hiddenEffects xmlns="" xmlns:a14="http://schemas.microsoft.com/office/drawing/2010/main">
                 <a:effectLst>
                   <a:outerShdw dist="35921" dir="2700000" algn="ctr" rotWithShape="0">
                     <a:schemeClr val="bg2"/>
@@ -462,14 +466,14 @@
           <a:effectLst/>
           <a:extLst>
             <a:ext uri="{909E8E84-426E-40dd-AFC4-6F175D3DCCD1}">
-              <a14:hiddenFill xmlns:a14="http://schemas.microsoft.com/office/drawing/2010/main" xmlns="">
+              <a14:hiddenFill xmlns="" xmlns:a14="http://schemas.microsoft.com/office/drawing/2010/main">
                 <a:solidFill>
                   <a:schemeClr val="accent1"/>
                 </a:solidFill>
               </a14:hiddenFill>
             </a:ext>
             <a:ext uri="{91240B29-F687-4f45-9708-019B960494DF}">
-              <a14:hiddenLine xmlns:a14="http://schemas.microsoft.com/office/drawing/2010/main" xmlns="" w="9525">
+              <a14:hiddenLine xmlns="" xmlns:a14="http://schemas.microsoft.com/office/drawing/2010/main" w="9525">
                 <a:solidFill>
                   <a:schemeClr val="tx1"/>
                 </a:solidFill>
@@ -479,7 +483,7 @@
               </a14:hiddenLine>
             </a:ext>
             <a:ext uri="{AF507438-7753-43e0-B8FC-AC1667EBCBE1}">
-              <a14:hiddenEffects xmlns:a14="http://schemas.microsoft.com/office/drawing/2010/main" xmlns="">
+              <a14:hiddenEffects xmlns="" xmlns:a14="http://schemas.microsoft.com/office/drawing/2010/main">
                 <a:effectLst>
                   <a:outerShdw dist="35921" dir="2700000" algn="ctr" rotWithShape="0">
                     <a:schemeClr val="bg2"/>
@@ -540,14 +544,14 @@
           <a:effectLst/>
           <a:extLst>
             <a:ext uri="{909E8E84-426E-40dd-AFC4-6F175D3DCCD1}">
-              <a14:hiddenFill xmlns:a14="http://schemas.microsoft.com/office/drawing/2010/main" xmlns="">
+              <a14:hiddenFill xmlns="" xmlns:a14="http://schemas.microsoft.com/office/drawing/2010/main">
                 <a:solidFill>
                   <a:schemeClr val="accent1"/>
                 </a:solidFill>
               </a14:hiddenFill>
             </a:ext>
             <a:ext uri="{91240B29-F687-4f45-9708-019B960494DF}">
-              <a14:hiddenLine xmlns:a14="http://schemas.microsoft.com/office/drawing/2010/main" xmlns="" w="9525">
+              <a14:hiddenLine xmlns="" xmlns:a14="http://schemas.microsoft.com/office/drawing/2010/main" w="9525">
                 <a:solidFill>
                   <a:schemeClr val="tx1"/>
                 </a:solidFill>
@@ -557,7 +561,7 @@
               </a14:hiddenLine>
             </a:ext>
             <a:ext uri="{AF507438-7753-43e0-B8FC-AC1667EBCBE1}">
-              <a14:hiddenEffects xmlns:a14="http://schemas.microsoft.com/office/drawing/2010/main" xmlns="">
+              <a14:hiddenEffects xmlns="" xmlns:a14="http://schemas.microsoft.com/office/drawing/2010/main">
                 <a:effectLst>
                   <a:outerShdw dist="35921" dir="2700000" algn="ctr" rotWithShape="0">
                     <a:schemeClr val="bg2"/>
@@ -663,7 +667,7 @@
           <a:effectLst/>
           <a:extLst>
             <a:ext uri="{91240B29-F687-4f45-9708-019B960494DF}">
-              <a14:hiddenLine xmlns:a14="http://schemas.microsoft.com/office/drawing/2010/main" xmlns="" w="9525">
+              <a14:hiddenLine xmlns="" xmlns:a14="http://schemas.microsoft.com/office/drawing/2010/main" w="9525">
                 <a:solidFill>
                   <a:srgbClr val="000000"/>
                 </a:solidFill>
@@ -673,7 +677,7 @@
               </a14:hiddenLine>
             </a:ext>
             <a:ext uri="{AF507438-7753-43e0-B8FC-AC1667EBCBE1}">
-              <a14:hiddenEffects xmlns:a14="http://schemas.microsoft.com/office/drawing/2010/main" xmlns="">
+              <a14:hiddenEffects xmlns="" xmlns:a14="http://schemas.microsoft.com/office/drawing/2010/main">
                 <a:effectLst>
                   <a:outerShdw dist="35921" dir="2700000" algn="ctr" rotWithShape="0">
                     <a:srgbClr val="808080"/>
@@ -727,7 +731,7 @@
           <a:effectLst/>
           <a:extLst>
             <a:ext uri="{909E8E84-426E-40dd-AFC4-6F175D3DCCD1}">
-              <a14:hiddenFill xmlns:a14="http://schemas.microsoft.com/office/drawing/2010/main" xmlns="">
+              <a14:hiddenFill xmlns="" xmlns:a14="http://schemas.microsoft.com/office/drawing/2010/main">
                 <a:blipFill dpi="0" rotWithShape="0">
                   <a:blip/>
                   <a:srcRect/>
@@ -738,7 +742,7 @@
               </a14:hiddenFill>
             </a:ext>
             <a:ext uri="{91240B29-F687-4f45-9708-019B960494DF}">
-              <a14:hiddenLine xmlns:a14="http://schemas.microsoft.com/office/drawing/2010/main" xmlns="" w="9525">
+              <a14:hiddenLine xmlns="" xmlns:a14="http://schemas.microsoft.com/office/drawing/2010/main" w="9525">
                 <a:solidFill>
                   <a:srgbClr val="000000"/>
                 </a:solidFill>
@@ -748,7 +752,7 @@
               </a14:hiddenLine>
             </a:ext>
             <a:ext uri="{AF507438-7753-43e0-B8FC-AC1667EBCBE1}">
-              <a14:hiddenEffects xmlns:a14="http://schemas.microsoft.com/office/drawing/2010/main" xmlns="">
+              <a14:hiddenEffects xmlns="" xmlns:a14="http://schemas.microsoft.com/office/drawing/2010/main">
                 <a:effectLst>
                   <a:outerShdw dist="35921" dir="2700000" algn="ctr" rotWithShape="0">
                     <a:srgbClr val="808080"/>
@@ -784,14 +788,14 @@
           <a:effectLst/>
           <a:extLst>
             <a:ext uri="{909E8E84-426E-40dd-AFC4-6F175D3DCCD1}">
-              <a14:hiddenFill xmlns:a14="http://schemas.microsoft.com/office/drawing/2010/main" xmlns="">
+              <a14:hiddenFill xmlns="" xmlns:a14="http://schemas.microsoft.com/office/drawing/2010/main">
                 <a:solidFill>
                   <a:srgbClr val="FFFFFF"/>
                 </a:solidFill>
               </a14:hiddenFill>
             </a:ext>
             <a:ext uri="{91240B29-F687-4f45-9708-019B960494DF}">
-              <a14:hiddenLine xmlns:a14="http://schemas.microsoft.com/office/drawing/2010/main" xmlns="" w="9525">
+              <a14:hiddenLine xmlns="" xmlns:a14="http://schemas.microsoft.com/office/drawing/2010/main" w="9525">
                 <a:solidFill>
                   <a:srgbClr val="000000"/>
                 </a:solidFill>
@@ -801,7 +805,7 @@
               </a14:hiddenLine>
             </a:ext>
             <a:ext uri="{AF507438-7753-43e0-B8FC-AC1667EBCBE1}">
-              <a14:hiddenEffects xmlns:a14="http://schemas.microsoft.com/office/drawing/2010/main" xmlns="">
+              <a14:hiddenEffects xmlns="" xmlns:a14="http://schemas.microsoft.com/office/drawing/2010/main">
                 <a:effectLst>
                   <a:outerShdw dist="35921" dir="2700000" algn="ctr" rotWithShape="0">
                     <a:schemeClr val="bg2"/>
@@ -879,7 +883,7 @@
           <a:effectLst/>
           <a:extLst>
             <a:ext uri="{AF507438-7753-43e0-B8FC-AC1667EBCBE1}">
-              <a14:hiddenEffects xmlns:a14="http://schemas.microsoft.com/office/drawing/2010/main" xmlns="">
+              <a14:hiddenEffects xmlns="" xmlns:a14="http://schemas.microsoft.com/office/drawing/2010/main">
                 <a:effectLst>
                   <a:outerShdw dist="35921" dir="2700000" algn="ctr" rotWithShape="0">
                     <a:schemeClr val="bg2"/>
@@ -915,14 +919,14 @@
           <a:effectLst/>
           <a:extLst>
             <a:ext uri="{909E8E84-426E-40dd-AFC4-6F175D3DCCD1}">
-              <a14:hiddenFill xmlns:a14="http://schemas.microsoft.com/office/drawing/2010/main" xmlns="">
+              <a14:hiddenFill xmlns="" xmlns:a14="http://schemas.microsoft.com/office/drawing/2010/main">
                 <a:solidFill>
                   <a:srgbClr val="FFFFFF"/>
                 </a:solidFill>
               </a14:hiddenFill>
             </a:ext>
             <a:ext uri="{91240B29-F687-4f45-9708-019B960494DF}">
-              <a14:hiddenLine xmlns:a14="http://schemas.microsoft.com/office/drawing/2010/main" xmlns="" w="9525">
+              <a14:hiddenLine xmlns="" xmlns:a14="http://schemas.microsoft.com/office/drawing/2010/main" w="9525">
                 <a:solidFill>
                   <a:srgbClr val="000000"/>
                 </a:solidFill>
@@ -932,7 +936,7 @@
               </a14:hiddenLine>
             </a:ext>
             <a:ext uri="{AF507438-7753-43e0-B8FC-AC1667EBCBE1}">
-              <a14:hiddenEffects xmlns:a14="http://schemas.microsoft.com/office/drawing/2010/main" xmlns="">
+              <a14:hiddenEffects xmlns="" xmlns:a14="http://schemas.microsoft.com/office/drawing/2010/main">
                 <a:effectLst>
                   <a:outerShdw dist="35921" dir="2700000" algn="ctr" rotWithShape="0">
                     <a:schemeClr val="bg2"/>
@@ -980,14 +984,14 @@
           <a:effectLst/>
           <a:extLst>
             <a:ext uri="{909E8E84-426E-40dd-AFC4-6F175D3DCCD1}">
-              <a14:hiddenFill xmlns:a14="http://schemas.microsoft.com/office/drawing/2010/main" xmlns="">
+              <a14:hiddenFill xmlns="" xmlns:a14="http://schemas.microsoft.com/office/drawing/2010/main">
                 <a:solidFill>
                   <a:srgbClr val="FFFFFF"/>
                 </a:solidFill>
               </a14:hiddenFill>
             </a:ext>
             <a:ext uri="{91240B29-F687-4f45-9708-019B960494DF}">
-              <a14:hiddenLine xmlns:a14="http://schemas.microsoft.com/office/drawing/2010/main" xmlns="" w="9525">
+              <a14:hiddenLine xmlns="" xmlns:a14="http://schemas.microsoft.com/office/drawing/2010/main" w="9525">
                 <a:solidFill>
                   <a:srgbClr val="000000"/>
                 </a:solidFill>
@@ -997,7 +1001,7 @@
               </a14:hiddenLine>
             </a:ext>
             <a:ext uri="{AF507438-7753-43e0-B8FC-AC1667EBCBE1}">
-              <a14:hiddenEffects xmlns:a14="http://schemas.microsoft.com/office/drawing/2010/main" xmlns="">
+              <a14:hiddenEffects xmlns="" xmlns:a14="http://schemas.microsoft.com/office/drawing/2010/main">
                 <a:effectLst>
                   <a:outerShdw dist="35921" dir="2700000" algn="ctr" rotWithShape="0">
                     <a:schemeClr val="bg2"/>
@@ -1071,14 +1075,14 @@
           <a:effectLst/>
           <a:extLst>
             <a:ext uri="{909E8E84-426E-40dd-AFC4-6F175D3DCCD1}">
-              <a14:hiddenFill xmlns:a14="http://schemas.microsoft.com/office/drawing/2010/main" xmlns="">
+              <a14:hiddenFill xmlns="" xmlns:a14="http://schemas.microsoft.com/office/drawing/2010/main">
                 <a:solidFill>
                   <a:srgbClr val="FFFFFF"/>
                 </a:solidFill>
               </a14:hiddenFill>
             </a:ext>
             <a:ext uri="{91240B29-F687-4f45-9708-019B960494DF}">
-              <a14:hiddenLine xmlns:a14="http://schemas.microsoft.com/office/drawing/2010/main" xmlns="" w="9525">
+              <a14:hiddenLine xmlns="" xmlns:a14="http://schemas.microsoft.com/office/drawing/2010/main" w="9525">
                 <a:solidFill>
                   <a:srgbClr val="000000"/>
                 </a:solidFill>
@@ -1088,7 +1092,7 @@
               </a14:hiddenLine>
             </a:ext>
             <a:ext uri="{AF507438-7753-43e0-B8FC-AC1667EBCBE1}">
-              <a14:hiddenEffects xmlns:a14="http://schemas.microsoft.com/office/drawing/2010/main" xmlns="">
+              <a14:hiddenEffects xmlns="" xmlns:a14="http://schemas.microsoft.com/office/drawing/2010/main">
                 <a:effectLst>
                   <a:outerShdw dist="35921" dir="2700000" algn="ctr" rotWithShape="0">
                     <a:schemeClr val="bg2"/>
@@ -1164,14 +1168,14 @@
           <a:effectLst/>
           <a:extLst>
             <a:ext uri="{909E8E84-426E-40dd-AFC4-6F175D3DCCD1}">
-              <a14:hiddenFill xmlns:a14="http://schemas.microsoft.com/office/drawing/2010/main" xmlns="">
+              <a14:hiddenFill xmlns="" xmlns:a14="http://schemas.microsoft.com/office/drawing/2010/main">
                 <a:solidFill>
                   <a:srgbClr val="FFFFFF"/>
                 </a:solidFill>
               </a14:hiddenFill>
             </a:ext>
             <a:ext uri="{91240B29-F687-4f45-9708-019B960494DF}">
-              <a14:hiddenLine xmlns:a14="http://schemas.microsoft.com/office/drawing/2010/main" xmlns="" w="9525">
+              <a14:hiddenLine xmlns="" xmlns:a14="http://schemas.microsoft.com/office/drawing/2010/main" w="9525">
                 <a:solidFill>
                   <a:srgbClr val="000000"/>
                 </a:solidFill>
@@ -1181,7 +1185,7 @@
               </a14:hiddenLine>
             </a:ext>
             <a:ext uri="{AF507438-7753-43e0-B8FC-AC1667EBCBE1}">
-              <a14:hiddenEffects xmlns:a14="http://schemas.microsoft.com/office/drawing/2010/main" xmlns="">
+              <a14:hiddenEffects xmlns="" xmlns:a14="http://schemas.microsoft.com/office/drawing/2010/main">
                 <a:effectLst>
                   <a:outerShdw dist="35921" dir="2700000" algn="ctr" rotWithShape="0">
                     <a:srgbClr val="808080"/>
@@ -1250,7 +1254,7 @@
           <a:effectLst/>
           <a:extLst>
             <a:ext uri="{91240B29-F687-4f45-9708-019B960494DF}">
-              <a14:hiddenLine xmlns:a14="http://schemas.microsoft.com/office/drawing/2010/main" xmlns="" w="9525">
+              <a14:hiddenLine xmlns="" xmlns:a14="http://schemas.microsoft.com/office/drawing/2010/main" w="9525">
                 <a:solidFill>
                   <a:srgbClr val="000000"/>
                 </a:solidFill>
@@ -1260,7 +1264,7 @@
               </a14:hiddenLine>
             </a:ext>
             <a:ext uri="{AF507438-7753-43e0-B8FC-AC1667EBCBE1}">
-              <a14:hiddenEffects xmlns:a14="http://schemas.microsoft.com/office/drawing/2010/main" xmlns="">
+              <a14:hiddenEffects xmlns="" xmlns:a14="http://schemas.microsoft.com/office/drawing/2010/main">
                 <a:effectLst>
                   <a:outerShdw dist="35921" dir="2700000" algn="ctr" rotWithShape="0">
                     <a:srgbClr val="808080"/>
@@ -1306,12 +1310,12 @@
           <a:effectLst/>
           <a:extLst>
             <a:ext uri="{909E8E84-426E-40dd-AFC4-6F175D3DCCD1}">
-              <a14:hiddenFill xmlns:a14="http://schemas.microsoft.com/office/drawing/2010/main" xmlns="">
+              <a14:hiddenFill xmlns="" xmlns:a14="http://schemas.microsoft.com/office/drawing/2010/main">
                 <a:noFill/>
               </a14:hiddenFill>
             </a:ext>
             <a:ext uri="{AF507438-7753-43e0-B8FC-AC1667EBCBE1}">
-              <a14:hiddenEffects xmlns:a14="http://schemas.microsoft.com/office/drawing/2010/main" xmlns="">
+              <a14:hiddenEffects xmlns="" xmlns:a14="http://schemas.microsoft.com/office/drawing/2010/main">
                 <a:effectLst>
                   <a:outerShdw dist="35921" dir="2700000" algn="ctr" rotWithShape="0">
                     <a:srgbClr val="808080"/>
@@ -1357,12 +1361,12 @@
           <a:effectLst/>
           <a:extLst>
             <a:ext uri="{909E8E84-426E-40dd-AFC4-6F175D3DCCD1}">
-              <a14:hiddenFill xmlns:a14="http://schemas.microsoft.com/office/drawing/2010/main" xmlns="">
+              <a14:hiddenFill xmlns="" xmlns:a14="http://schemas.microsoft.com/office/drawing/2010/main">
                 <a:noFill/>
               </a14:hiddenFill>
             </a:ext>
             <a:ext uri="{AF507438-7753-43e0-B8FC-AC1667EBCBE1}">
-              <a14:hiddenEffects xmlns:a14="http://schemas.microsoft.com/office/drawing/2010/main" xmlns="">
+              <a14:hiddenEffects xmlns="" xmlns:a14="http://schemas.microsoft.com/office/drawing/2010/main">
                 <a:effectLst>
                   <a:outerShdw dist="35921" dir="2700000" algn="ctr" rotWithShape="0">
                     <a:srgbClr val="808080"/>
@@ -1408,12 +1412,12 @@
           <a:effectLst/>
           <a:extLst>
             <a:ext uri="{909E8E84-426E-40dd-AFC4-6F175D3DCCD1}">
-              <a14:hiddenFill xmlns:a14="http://schemas.microsoft.com/office/drawing/2010/main" xmlns="">
+              <a14:hiddenFill xmlns="" xmlns:a14="http://schemas.microsoft.com/office/drawing/2010/main">
                 <a:noFill/>
               </a14:hiddenFill>
             </a:ext>
             <a:ext uri="{AF507438-7753-43e0-B8FC-AC1667EBCBE1}">
-              <a14:hiddenEffects xmlns:a14="http://schemas.microsoft.com/office/drawing/2010/main" xmlns="">
+              <a14:hiddenEffects xmlns="" xmlns:a14="http://schemas.microsoft.com/office/drawing/2010/main">
                 <a:effectLst>
                   <a:outerShdw dist="35921" dir="2700000" algn="ctr" rotWithShape="0">
                     <a:srgbClr val="808080"/>
@@ -1459,12 +1463,12 @@
           <a:effectLst/>
           <a:extLst>
             <a:ext uri="{909E8E84-426E-40dd-AFC4-6F175D3DCCD1}">
-              <a14:hiddenFill xmlns:a14="http://schemas.microsoft.com/office/drawing/2010/main" xmlns="">
+              <a14:hiddenFill xmlns="" xmlns:a14="http://schemas.microsoft.com/office/drawing/2010/main">
                 <a:noFill/>
               </a14:hiddenFill>
             </a:ext>
             <a:ext uri="{AF507438-7753-43e0-B8FC-AC1667EBCBE1}">
-              <a14:hiddenEffects xmlns:a14="http://schemas.microsoft.com/office/drawing/2010/main" xmlns="">
+              <a14:hiddenEffects xmlns="" xmlns:a14="http://schemas.microsoft.com/office/drawing/2010/main">
                 <a:effectLst>
                   <a:outerShdw dist="35921" dir="2700000" algn="ctr" rotWithShape="0">
                     <a:srgbClr val="808080"/>
@@ -2375,7 +2379,7 @@
           <a:effectLst/>
           <a:extLst>
             <a:ext uri="{91240B29-F687-4f45-9708-019B960494DF}">
-              <a14:hiddenLine xmlns:a14="http://schemas.microsoft.com/office/drawing/2010/main" xmlns="" w="9525">
+              <a14:hiddenLine xmlns="" xmlns:a14="http://schemas.microsoft.com/office/drawing/2010/main" w="9525">
                 <a:solidFill>
                   <a:schemeClr val="tx1"/>
                 </a:solidFill>
@@ -2385,7 +2389,7 @@
               </a14:hiddenLine>
             </a:ext>
             <a:ext uri="{AF507438-7753-43e0-B8FC-AC1667EBCBE1}">
-              <a14:hiddenEffects xmlns:a14="http://schemas.microsoft.com/office/drawing/2010/main" xmlns="">
+              <a14:hiddenEffects xmlns="" xmlns:a14="http://schemas.microsoft.com/office/drawing/2010/main">
                 <a:effectLst>
                   <a:outerShdw dist="35921" dir="2700000" algn="ctr" rotWithShape="0">
                     <a:schemeClr val="bg2"/>
@@ -2440,7 +2444,7 @@
           </a:ln>
           <a:extLst>
             <a:ext uri="{91240B29-F687-4f45-9708-019B960494DF}">
-              <a14:hiddenLine xmlns:a14="http://schemas.microsoft.com/office/drawing/2010/main" xmlns="" w="3175">
+              <a14:hiddenLine xmlns="" xmlns:a14="http://schemas.microsoft.com/office/drawing/2010/main" w="3175">
                 <a:solidFill>
                   <a:srgbClr val="B5B5B5"/>
                 </a:solidFill>
@@ -2484,7 +2488,7 @@
           <a:effectLst/>
           <a:extLst>
             <a:ext uri="{91240B29-F687-4f45-9708-019B960494DF}">
-              <a14:hiddenLine xmlns:a14="http://schemas.microsoft.com/office/drawing/2010/main" xmlns="" w="9525">
+              <a14:hiddenLine xmlns="" xmlns:a14="http://schemas.microsoft.com/office/drawing/2010/main" w="9525">
                 <a:solidFill>
                   <a:schemeClr val="tx1"/>
                 </a:solidFill>
@@ -2494,7 +2498,7 @@
               </a14:hiddenLine>
             </a:ext>
             <a:ext uri="{AF507438-7753-43e0-B8FC-AC1667EBCBE1}">
-              <a14:hiddenEffects xmlns:a14="http://schemas.microsoft.com/office/drawing/2010/main" xmlns="">
+              <a14:hiddenEffects xmlns="" xmlns:a14="http://schemas.microsoft.com/office/drawing/2010/main">
                 <a:effectLst>
                   <a:outerShdw dist="35921" dir="2700000" algn="ctr" rotWithShape="0">
                     <a:schemeClr val="bg2"/>
@@ -2537,7 +2541,7 @@
           <a:effectLst/>
           <a:extLst>
             <a:ext uri="{91240B29-F687-4f45-9708-019B960494DF}">
-              <a14:hiddenLine xmlns:a14="http://schemas.microsoft.com/office/drawing/2010/main" xmlns="" w="9525">
+              <a14:hiddenLine xmlns="" xmlns:a14="http://schemas.microsoft.com/office/drawing/2010/main" w="9525">
                 <a:solidFill>
                   <a:schemeClr val="tx1"/>
                 </a:solidFill>
@@ -2547,7 +2551,7 @@
               </a14:hiddenLine>
             </a:ext>
             <a:ext uri="{AF507438-7753-43e0-B8FC-AC1667EBCBE1}">
-              <a14:hiddenEffects xmlns:a14="http://schemas.microsoft.com/office/drawing/2010/main" xmlns="">
+              <a14:hiddenEffects xmlns="" xmlns:a14="http://schemas.microsoft.com/office/drawing/2010/main">
                 <a:effectLst>
                   <a:outerShdw dist="35921" dir="2700000" algn="ctr" rotWithShape="0">
                     <a:schemeClr val="bg2"/>
@@ -2588,14 +2592,14 @@
           <a:effectLst/>
           <a:extLst>
             <a:ext uri="{909E8E84-426E-40dd-AFC4-6F175D3DCCD1}">
-              <a14:hiddenFill xmlns:a14="http://schemas.microsoft.com/office/drawing/2010/main" xmlns="">
+              <a14:hiddenFill xmlns="" xmlns:a14="http://schemas.microsoft.com/office/drawing/2010/main">
                 <a:solidFill>
                   <a:srgbClr val="FFFF99"/>
                 </a:solidFill>
               </a14:hiddenFill>
             </a:ext>
             <a:ext uri="{91240B29-F687-4f45-9708-019B960494DF}">
-              <a14:hiddenLine xmlns:a14="http://schemas.microsoft.com/office/drawing/2010/main" xmlns="" w="9525">
+              <a14:hiddenLine xmlns="" xmlns:a14="http://schemas.microsoft.com/office/drawing/2010/main" w="9525">
                 <a:solidFill>
                   <a:schemeClr val="tx1"/>
                 </a:solidFill>
@@ -2605,7 +2609,7 @@
               </a14:hiddenLine>
             </a:ext>
             <a:ext uri="{AF507438-7753-43e0-B8FC-AC1667EBCBE1}">
-              <a14:hiddenEffects xmlns:a14="http://schemas.microsoft.com/office/drawing/2010/main" xmlns="">
+              <a14:hiddenEffects xmlns="" xmlns:a14="http://schemas.microsoft.com/office/drawing/2010/main">
                 <a:effectLst>
                   <a:outerShdw dist="35921" dir="2700000" algn="ctr" rotWithShape="0">
                     <a:schemeClr val="bg2"/>
@@ -2801,7 +2805,7 @@
           </a:ln>
           <a:extLst>
             <a:ext uri="{909E8E84-426E-40dd-AFC4-6F175D3DCCD1}">
-              <a14:hiddenFill xmlns:a14="http://schemas.microsoft.com/office/drawing/2010/main" xmlns="">
+              <a14:hiddenFill xmlns="" xmlns:a14="http://schemas.microsoft.com/office/drawing/2010/main">
                 <a:noFill/>
               </a14:hiddenFill>
             </a:ext>
@@ -2838,14 +2842,14 @@
           <a:effectLst/>
           <a:extLst>
             <a:ext uri="{909E8E84-426E-40dd-AFC4-6F175D3DCCD1}">
-              <a14:hiddenFill xmlns:a14="http://schemas.microsoft.com/office/drawing/2010/main" xmlns="">
+              <a14:hiddenFill xmlns="" xmlns:a14="http://schemas.microsoft.com/office/drawing/2010/main">
                 <a:solidFill>
                   <a:schemeClr val="accent1"/>
                 </a:solidFill>
               </a14:hiddenFill>
             </a:ext>
             <a:ext uri="{91240B29-F687-4f45-9708-019B960494DF}">
-              <a14:hiddenLine xmlns:a14="http://schemas.microsoft.com/office/drawing/2010/main" xmlns="" w="9525">
+              <a14:hiddenLine xmlns="" xmlns:a14="http://schemas.microsoft.com/office/drawing/2010/main" w="9525">
                 <a:solidFill>
                   <a:schemeClr val="tx1"/>
                 </a:solidFill>
@@ -2855,7 +2859,7 @@
               </a14:hiddenLine>
             </a:ext>
             <a:ext uri="{AF507438-7753-43e0-B8FC-AC1667EBCBE1}">
-              <a14:hiddenEffects xmlns:a14="http://schemas.microsoft.com/office/drawing/2010/main" xmlns="">
+              <a14:hiddenEffects xmlns="" xmlns:a14="http://schemas.microsoft.com/office/drawing/2010/main">
                 <a:effectLst>
                   <a:outerShdw dist="35921" dir="2700000" algn="ctr" rotWithShape="0">
                     <a:schemeClr val="bg2"/>
@@ -2884,7 +2888,7 @@
                   <a:schemeClr val="tx1"/>
                 </a:solidFill>
               </a:rPr>
-              <a:t>21-Jan-15</a:t>
+              <a:t>23-Jan-15</a:t>
             </a:fld>
             <a:endParaRPr lang="de-DE" sz="1000" dirty="0">
               <a:solidFill>
@@ -2929,14 +2933,14 @@
           </a:ln>
           <a:extLst>
             <a:ext uri="{909E8E84-426E-40dd-AFC4-6F175D3DCCD1}">
-              <a14:hiddenFill xmlns:a14="http://schemas.microsoft.com/office/drawing/2010/main" xmlns="">
+              <a14:hiddenFill xmlns="" xmlns:a14="http://schemas.microsoft.com/office/drawing/2010/main">
                 <a:solidFill>
                   <a:srgbClr val="FFFFFF"/>
                 </a:solidFill>
               </a14:hiddenFill>
             </a:ext>
             <a:ext uri="{91240B29-F687-4f45-9708-019B960494DF}">
-              <a14:hiddenLine xmlns:a14="http://schemas.microsoft.com/office/drawing/2010/main" xmlns="" w="9525">
+              <a14:hiddenLine xmlns="" xmlns:a14="http://schemas.microsoft.com/office/drawing/2010/main" w="9525">
                 <a:solidFill>
                   <a:srgbClr val="000000"/>
                 </a:solidFill>
@@ -3046,14 +3050,14 @@
           <a:effectLst/>
           <a:extLst>
             <a:ext uri="{909E8E84-426E-40dd-AFC4-6F175D3DCCD1}">
-              <a14:hiddenFill xmlns:a14="http://schemas.microsoft.com/office/drawing/2010/main" xmlns="">
+              <a14:hiddenFill xmlns="" xmlns:a14="http://schemas.microsoft.com/office/drawing/2010/main">
                 <a:solidFill>
                   <a:schemeClr val="accent1"/>
                 </a:solidFill>
               </a14:hiddenFill>
             </a:ext>
             <a:ext uri="{91240B29-F687-4f45-9708-019B960494DF}">
-              <a14:hiddenLine xmlns:a14="http://schemas.microsoft.com/office/drawing/2010/main" xmlns="" w="9525">
+              <a14:hiddenLine xmlns="" xmlns:a14="http://schemas.microsoft.com/office/drawing/2010/main" w="9525">
                 <a:solidFill>
                   <a:schemeClr val="tx1"/>
                 </a:solidFill>
@@ -3063,7 +3067,7 @@
               </a14:hiddenLine>
             </a:ext>
             <a:ext uri="{AF507438-7753-43e0-B8FC-AC1667EBCBE1}">
-              <a14:hiddenEffects xmlns:a14="http://schemas.microsoft.com/office/drawing/2010/main" xmlns="">
+              <a14:hiddenEffects xmlns="" xmlns:a14="http://schemas.microsoft.com/office/drawing/2010/main">
                 <a:effectLst>
                   <a:outerShdw dist="35921" dir="2700000" algn="ctr" rotWithShape="0">
                     <a:schemeClr val="bg2"/>
@@ -3280,14 +3284,14 @@
           <a:effectLst/>
           <a:extLst>
             <a:ext uri="{909E8E84-426E-40dd-AFC4-6F175D3DCCD1}">
-              <a14:hiddenFill xmlns:a14="http://schemas.microsoft.com/office/drawing/2010/main" xmlns="">
+              <a14:hiddenFill xmlns="" xmlns:a14="http://schemas.microsoft.com/office/drawing/2010/main">
                 <a:solidFill>
                   <a:srgbClr val="FFFF99"/>
                 </a:solidFill>
               </a14:hiddenFill>
             </a:ext>
             <a:ext uri="{91240B29-F687-4f45-9708-019B960494DF}">
-              <a14:hiddenLine xmlns:a14="http://schemas.microsoft.com/office/drawing/2010/main" xmlns="" w="9525">
+              <a14:hiddenLine xmlns="" xmlns:a14="http://schemas.microsoft.com/office/drawing/2010/main" w="9525">
                 <a:solidFill>
                   <a:schemeClr val="tx1"/>
                 </a:solidFill>
@@ -3297,7 +3301,7 @@
               </a14:hiddenLine>
             </a:ext>
             <a:ext uri="{AF507438-7753-43e0-B8FC-AC1667EBCBE1}">
-              <a14:hiddenEffects xmlns:a14="http://schemas.microsoft.com/office/drawing/2010/main" xmlns="">
+              <a14:hiddenEffects xmlns="" xmlns:a14="http://schemas.microsoft.com/office/drawing/2010/main">
                 <a:effectLst>
                   <a:outerShdw dist="35921" dir="2700000" algn="ctr" rotWithShape="0">
                     <a:schemeClr val="bg2"/>
@@ -6759,7 +6763,7 @@
           </a:ln>
           <a:extLst>
             <a:ext uri="{909E8E84-426E-40dd-AFC4-6F175D3DCCD1}">
-              <a14:hiddenFill xmlns:a14="http://schemas.microsoft.com/office/drawing/2010/main" xmlns="">
+              <a14:hiddenFill xmlns="" xmlns:a14="http://schemas.microsoft.com/office/drawing/2010/main">
                 <a:noFill/>
               </a14:hiddenFill>
             </a:ext>
@@ -6796,14 +6800,14 @@
           <a:effectLst/>
           <a:extLst>
             <a:ext uri="{909E8E84-426E-40dd-AFC4-6F175D3DCCD1}">
-              <a14:hiddenFill xmlns:a14="http://schemas.microsoft.com/office/drawing/2010/main" xmlns="">
+              <a14:hiddenFill xmlns="" xmlns:a14="http://schemas.microsoft.com/office/drawing/2010/main">
                 <a:solidFill>
                   <a:srgbClr val="E9503E"/>
                 </a:solidFill>
               </a14:hiddenFill>
             </a:ext>
             <a:ext uri="{91240B29-F687-4f45-9708-019B960494DF}">
-              <a14:hiddenLine xmlns:a14="http://schemas.microsoft.com/office/drawing/2010/main" xmlns="" w="9525">
+              <a14:hiddenLine xmlns="" xmlns:a14="http://schemas.microsoft.com/office/drawing/2010/main" w="9525">
                 <a:solidFill>
                   <a:schemeClr val="tx1"/>
                 </a:solidFill>
@@ -6813,7 +6817,7 @@
               </a14:hiddenLine>
             </a:ext>
             <a:ext uri="{AF507438-7753-43e0-B8FC-AC1667EBCBE1}">
-              <a14:hiddenEffects xmlns:a14="http://schemas.microsoft.com/office/drawing/2010/main" xmlns="">
+              <a14:hiddenEffects xmlns="" xmlns:a14="http://schemas.microsoft.com/office/drawing/2010/main">
                 <a:effectLst>
                   <a:outerShdw dist="35921" dir="2700000" algn="ctr" rotWithShape="0">
                     <a:schemeClr val="bg2"/>
@@ -6856,14 +6860,14 @@
           <a:effectLst/>
           <a:extLst>
             <a:ext uri="{909E8E84-426E-40dd-AFC4-6F175D3DCCD1}">
-              <a14:hiddenFill xmlns:a14="http://schemas.microsoft.com/office/drawing/2010/main" xmlns="">
+              <a14:hiddenFill xmlns="" xmlns:a14="http://schemas.microsoft.com/office/drawing/2010/main">
                 <a:solidFill>
                   <a:schemeClr val="accent1"/>
                 </a:solidFill>
               </a14:hiddenFill>
             </a:ext>
             <a:ext uri="{91240B29-F687-4f45-9708-019B960494DF}">
-              <a14:hiddenLine xmlns:a14="http://schemas.microsoft.com/office/drawing/2010/main" xmlns="" w="9525">
+              <a14:hiddenLine xmlns="" xmlns:a14="http://schemas.microsoft.com/office/drawing/2010/main" w="9525">
                 <a:solidFill>
                   <a:schemeClr val="tx1"/>
                 </a:solidFill>
@@ -6873,7 +6877,7 @@
               </a14:hiddenLine>
             </a:ext>
             <a:ext uri="{AF507438-7753-43e0-B8FC-AC1667EBCBE1}">
-              <a14:hiddenEffects xmlns:a14="http://schemas.microsoft.com/office/drawing/2010/main" xmlns="">
+              <a14:hiddenEffects xmlns="" xmlns:a14="http://schemas.microsoft.com/office/drawing/2010/main">
                 <a:effectLst>
                   <a:outerShdw dist="35921" dir="2700000" algn="ctr" rotWithShape="0">
                     <a:schemeClr val="bg2"/>
@@ -6924,14 +6928,14 @@
           <a:effectLst/>
           <a:extLst>
             <a:ext uri="{909E8E84-426E-40dd-AFC4-6F175D3DCCD1}">
-              <a14:hiddenFill xmlns:a14="http://schemas.microsoft.com/office/drawing/2010/main" xmlns="">
+              <a14:hiddenFill xmlns="" xmlns:a14="http://schemas.microsoft.com/office/drawing/2010/main">
                 <a:solidFill>
                   <a:schemeClr val="accent1"/>
                 </a:solidFill>
               </a14:hiddenFill>
             </a:ext>
             <a:ext uri="{91240B29-F687-4f45-9708-019B960494DF}">
-              <a14:hiddenLine xmlns:a14="http://schemas.microsoft.com/office/drawing/2010/main" xmlns="" w="9525">
+              <a14:hiddenLine xmlns="" xmlns:a14="http://schemas.microsoft.com/office/drawing/2010/main" w="9525">
                 <a:solidFill>
                   <a:schemeClr val="tx1"/>
                 </a:solidFill>
@@ -6941,7 +6945,7 @@
               </a14:hiddenLine>
             </a:ext>
             <a:ext uri="{AF507438-7753-43e0-B8FC-AC1667EBCBE1}">
-              <a14:hiddenEffects xmlns:a14="http://schemas.microsoft.com/office/drawing/2010/main" xmlns="">
+              <a14:hiddenEffects xmlns="" xmlns:a14="http://schemas.microsoft.com/office/drawing/2010/main">
                 <a:effectLst>
                   <a:outerShdw dist="35921" dir="2700000" algn="ctr" rotWithShape="0">
                     <a:schemeClr val="bg2"/>
@@ -7020,14 +7024,14 @@
           <a:effectLst/>
           <a:extLst>
             <a:ext uri="{909E8E84-426E-40dd-AFC4-6F175D3DCCD1}">
-              <a14:hiddenFill xmlns:a14="http://schemas.microsoft.com/office/drawing/2010/main" xmlns="">
+              <a14:hiddenFill xmlns="" xmlns:a14="http://schemas.microsoft.com/office/drawing/2010/main">
                 <a:solidFill>
                   <a:schemeClr val="accent1"/>
                 </a:solidFill>
               </a14:hiddenFill>
             </a:ext>
             <a:ext uri="{91240B29-F687-4f45-9708-019B960494DF}">
-              <a14:hiddenLine xmlns:a14="http://schemas.microsoft.com/office/drawing/2010/main" xmlns="" w="9525">
+              <a14:hiddenLine xmlns="" xmlns:a14="http://schemas.microsoft.com/office/drawing/2010/main" w="9525">
                 <a:solidFill>
                   <a:schemeClr val="tx1"/>
                 </a:solidFill>
@@ -7037,7 +7041,7 @@
               </a14:hiddenLine>
             </a:ext>
             <a:ext uri="{AF507438-7753-43e0-B8FC-AC1667EBCBE1}">
-              <a14:hiddenEffects xmlns:a14="http://schemas.microsoft.com/office/drawing/2010/main" xmlns="">
+              <a14:hiddenEffects xmlns="" xmlns:a14="http://schemas.microsoft.com/office/drawing/2010/main">
                 <a:effectLst>
                   <a:outerShdw dist="35921" dir="2700000" algn="ctr" rotWithShape="0">
                     <a:schemeClr val="bg2"/>
@@ -7108,7 +7112,7 @@
           </a:ln>
           <a:extLst>
             <a:ext uri="{91240B29-F687-4f45-9708-019B960494DF}">
-              <a14:hiddenLine xmlns:a14="http://schemas.microsoft.com/office/drawing/2010/main" xmlns="" w="3175">
+              <a14:hiddenLine xmlns="" xmlns:a14="http://schemas.microsoft.com/office/drawing/2010/main" w="3175">
                 <a:solidFill>
                   <a:srgbClr val="B5B5B5"/>
                 </a:solidFill>
@@ -7162,14 +7166,14 @@
           </a:ln>
           <a:extLst>
             <a:ext uri="{909E8E84-426E-40dd-AFC4-6F175D3DCCD1}">
-              <a14:hiddenFill xmlns:a14="http://schemas.microsoft.com/office/drawing/2010/main" xmlns="">
+              <a14:hiddenFill xmlns="" xmlns:a14="http://schemas.microsoft.com/office/drawing/2010/main">
                 <a:solidFill>
                   <a:srgbClr val="FFFFFF"/>
                 </a:solidFill>
               </a14:hiddenFill>
             </a:ext>
             <a:ext uri="{91240B29-F687-4f45-9708-019B960494DF}">
-              <a14:hiddenLine xmlns:a14="http://schemas.microsoft.com/office/drawing/2010/main" xmlns="" w="9525">
+              <a14:hiddenLine xmlns="" xmlns:a14="http://schemas.microsoft.com/office/drawing/2010/main" w="9525">
                 <a:solidFill>
                   <a:srgbClr val="000000"/>
                 </a:solidFill>
@@ -7208,7 +7212,7 @@
           </a:ln>
           <a:extLst>
             <a:ext uri="{909E8E84-426E-40dd-AFC4-6F175D3DCCD1}">
-              <a14:hiddenFill xmlns:a14="http://schemas.microsoft.com/office/drawing/2010/main" xmlns="">
+              <a14:hiddenFill xmlns="" xmlns:a14="http://schemas.microsoft.com/office/drawing/2010/main">
                 <a:noFill/>
               </a14:hiddenFill>
             </a:ext>
@@ -7247,7 +7251,7 @@
           <a:effectLst/>
           <a:extLst>
             <a:ext uri="{91240B29-F687-4f45-9708-019B960494DF}">
-              <a14:hiddenLine xmlns:a14="http://schemas.microsoft.com/office/drawing/2010/main" xmlns="" w="9525">
+              <a14:hiddenLine xmlns="" xmlns:a14="http://schemas.microsoft.com/office/drawing/2010/main" w="9525">
                 <a:solidFill>
                   <a:schemeClr val="tx1"/>
                 </a:solidFill>
@@ -7257,7 +7261,7 @@
               </a14:hiddenLine>
             </a:ext>
             <a:ext uri="{AF507438-7753-43e0-B8FC-AC1667EBCBE1}">
-              <a14:hiddenEffects xmlns:a14="http://schemas.microsoft.com/office/drawing/2010/main" xmlns="">
+              <a14:hiddenEffects xmlns="" xmlns:a14="http://schemas.microsoft.com/office/drawing/2010/main">
                 <a:effectLst>
                   <a:outerShdw dist="35921" dir="2700000" algn="ctr" rotWithShape="0">
                     <a:schemeClr val="bg2"/>
@@ -7298,14 +7302,14 @@
           <a:effectLst/>
           <a:extLst>
             <a:ext uri="{909E8E84-426E-40dd-AFC4-6F175D3DCCD1}">
-              <a14:hiddenFill xmlns:a14="http://schemas.microsoft.com/office/drawing/2010/main" xmlns="">
+              <a14:hiddenFill xmlns="" xmlns:a14="http://schemas.microsoft.com/office/drawing/2010/main">
                 <a:solidFill>
                   <a:schemeClr val="accent1"/>
                 </a:solidFill>
               </a14:hiddenFill>
             </a:ext>
             <a:ext uri="{91240B29-F687-4f45-9708-019B960494DF}">
-              <a14:hiddenLine xmlns:a14="http://schemas.microsoft.com/office/drawing/2010/main" xmlns="" w="9525">
+              <a14:hiddenLine xmlns="" xmlns:a14="http://schemas.microsoft.com/office/drawing/2010/main" w="9525">
                 <a:solidFill>
                   <a:schemeClr val="tx1"/>
                 </a:solidFill>
@@ -7315,7 +7319,7 @@
               </a14:hiddenLine>
             </a:ext>
             <a:ext uri="{AF507438-7753-43e0-B8FC-AC1667EBCBE1}">
-              <a14:hiddenEffects xmlns:a14="http://schemas.microsoft.com/office/drawing/2010/main" xmlns="">
+              <a14:hiddenEffects xmlns="" xmlns:a14="http://schemas.microsoft.com/office/drawing/2010/main">
                 <a:effectLst>
                   <a:outerShdw dist="35921" dir="2700000" algn="ctr" rotWithShape="0">
                     <a:schemeClr val="bg2"/>
@@ -7380,14 +7384,14 @@
           <a:effectLst/>
           <a:extLst>
             <a:ext uri="{909E8E84-426E-40dd-AFC4-6F175D3DCCD1}">
-              <a14:hiddenFill xmlns:a14="http://schemas.microsoft.com/office/drawing/2010/main" xmlns="">
+              <a14:hiddenFill xmlns="" xmlns:a14="http://schemas.microsoft.com/office/drawing/2010/main">
                 <a:solidFill>
                   <a:schemeClr val="accent1"/>
                 </a:solidFill>
               </a14:hiddenFill>
             </a:ext>
             <a:ext uri="{91240B29-F687-4f45-9708-019B960494DF}">
-              <a14:hiddenLine xmlns:a14="http://schemas.microsoft.com/office/drawing/2010/main" xmlns="" w="9525">
+              <a14:hiddenLine xmlns="" xmlns:a14="http://schemas.microsoft.com/office/drawing/2010/main" w="9525">
                 <a:solidFill>
                   <a:schemeClr val="tx1"/>
                 </a:solidFill>
@@ -7397,7 +7401,7 @@
               </a14:hiddenLine>
             </a:ext>
             <a:ext uri="{AF507438-7753-43e0-B8FC-AC1667EBCBE1}">
-              <a14:hiddenEffects xmlns:a14="http://schemas.microsoft.com/office/drawing/2010/main" xmlns="">
+              <a14:hiddenEffects xmlns="" xmlns:a14="http://schemas.microsoft.com/office/drawing/2010/main">
                 <a:effectLst>
                   <a:outerShdw dist="35921" dir="2700000" algn="ctr" rotWithShape="0">
                     <a:schemeClr val="bg2"/>
@@ -7925,25 +7929,16 @@
             <a:pPr eaLnBrk="1" hangingPunct="1"/>
             <a:r>
               <a:rPr lang="en-US" dirty="0" smtClean="0"/>
-              <a:t>Lecture </a:t>
+              <a:t>Lecture 12 </a:t>
+            </a:r>
+            <a:r>
+              <a:rPr lang="de-DE" dirty="0" smtClean="0"/>
+              <a:t>–</a:t>
             </a:r>
             <a:r>
               <a:rPr lang="en-US" dirty="0" smtClean="0"/>
-              <a:t>12 </a:t>
-            </a:r>
-            <a:r>
-              <a:rPr lang="de-DE" dirty="0" smtClean="0"/>
-              <a:t>–</a:t>
-            </a:r>
-            <a:r>
-              <a:rPr lang="en-US" dirty="0" smtClean="0"/>
-              <a:t> </a:t>
-            </a:r>
-            <a:r>
-              <a:rPr lang="en-US" dirty="0" smtClean="0"/>
-              <a:t>23.01.2015</a:t>
-            </a:r>
-            <a:endParaRPr lang="en-US" dirty="0" smtClean="0"/>
+              <a:t> 23.01.2015</a:t>
+            </a:r>
           </a:p>
         </p:txBody>
       </p:sp>
@@ -7970,14 +7965,14 @@
           <a:effectLst/>
           <a:extLst>
             <a:ext uri="{909E8E84-426E-40dd-AFC4-6F175D3DCCD1}">
-              <a14:hiddenFill xmlns:a14="http://schemas.microsoft.com/office/drawing/2010/main" xmlns="">
+              <a14:hiddenFill xmlns="" xmlns:a14="http://schemas.microsoft.com/office/drawing/2010/main">
                 <a:solidFill>
                   <a:schemeClr val="accent1"/>
                 </a:solidFill>
               </a14:hiddenFill>
             </a:ext>
             <a:ext uri="{91240B29-F687-4f45-9708-019B960494DF}">
-              <a14:hiddenLine xmlns:a14="http://schemas.microsoft.com/office/drawing/2010/main" xmlns="" w="9525">
+              <a14:hiddenLine xmlns="" xmlns:a14="http://schemas.microsoft.com/office/drawing/2010/main" w="9525">
                 <a:solidFill>
                   <a:schemeClr val="tx1"/>
                 </a:solidFill>
@@ -7987,7 +7982,7 @@
               </a14:hiddenLine>
             </a:ext>
             <a:ext uri="{AF507438-7753-43e0-B8FC-AC1667EBCBE1}">
-              <a14:hiddenEffects xmlns:a14="http://schemas.microsoft.com/office/drawing/2010/main" xmlns="">
+              <a14:hiddenEffects xmlns="" xmlns:a14="http://schemas.microsoft.com/office/drawing/2010/main">
                 <a:effectLst>
                   <a:outerShdw dist="35921" dir="2700000" algn="ctr" rotWithShape="0">
                     <a:schemeClr val="bg2"/>
@@ -17247,52 +17242,35 @@
           <a:chExt cx="0" cy="0"/>
         </a:xfrm>
       </p:grpSpPr>
-      <p:sp>
-        <p:nvSpPr>
-          <p:cNvPr id="2" name="Inhaltsplatzhalter 1"/>
-          <p:cNvSpPr>
-            <a:spLocks noGrp="1"/>
-          </p:cNvSpPr>
+      <p:pic>
+        <p:nvPicPr>
+          <p:cNvPr id="5" name="Inhaltsplatzhalter 4"/>
+          <p:cNvPicPr>
+            <a:picLocks noGrp="1" noChangeAspect="1"/>
+          </p:cNvPicPr>
           <p:nvPr>
             <p:ph idx="1"/>
           </p:nvPr>
-        </p:nvSpPr>
-        <p:spPr/>
-        <p:txBody>
-          <a:bodyPr/>
-          <a:lstStyle/>
-          <a:p>
-            <a:endParaRPr lang="de-DE" b="0" dirty="0"/>
-          </a:p>
-          <a:p>
-            <a:r>
-              <a:rPr lang="de-DE" dirty="0"/>
-              <a:t>2.1 Hardware </a:t>
-            </a:r>
-            <a:endParaRPr lang="de-DE" b="0" dirty="0"/>
-          </a:p>
-          <a:p>
-            <a:r>
-              <a:rPr lang="en-US" b="0" dirty="0"/>
-              <a:t>What makes it so important that texture compression algorithms are directly supported by the hardware</a:t>
-            </a:r>
-            <a:r>
-              <a:rPr lang="en-US" b="0" dirty="0" smtClean="0"/>
-              <a:t>?</a:t>
-            </a:r>
-          </a:p>
-          <a:p>
-            <a:endParaRPr lang="en-US" b="0" dirty="0"/>
-          </a:p>
-          <a:p>
-            <a:r>
-              <a:rPr lang="en-US" b="0" dirty="0" smtClean="0"/>
-              <a:t>Reading pixels is the most fundamental and speed critical operation of GPUs.</a:t>
-            </a:r>
-            <a:endParaRPr lang="de-DE" dirty="0"/>
-          </a:p>
-        </p:txBody>
-      </p:sp>
+        </p:nvPicPr>
+        <p:blipFill>
+          <a:blip r:embed="rId2">
+            <a:extLst>
+              <a:ext uri="{28A0092B-C50C-407E-A947-70E740481C1C}">
+                <a14:useLocalDpi xmlns:a14="http://schemas.microsoft.com/office/drawing/2010/main" val="0"/>
+              </a:ext>
+            </a:extLst>
+          </a:blip>
+          <a:stretch>
+            <a:fillRect/>
+          </a:stretch>
+        </p:blipFill>
+        <p:spPr>
+          <a:xfrm>
+            <a:off x="250825" y="1659163"/>
+            <a:ext cx="8640763" cy="4619174"/>
+          </a:xfrm>
+        </p:spPr>
+      </p:pic>
       <p:sp>
         <p:nvSpPr>
           <p:cNvPr id="3" name="Fußzeilenplatzhalter 2"/>
@@ -17336,14 +17314,18 @@
           <a:bodyPr/>
           <a:lstStyle/>
           <a:p>
-            <a:endParaRPr lang="de-DE"/>
+            <a:r>
+              <a:rPr lang="de-DE" dirty="0" err="1" smtClean="0"/>
+              <a:t>nSight</a:t>
+            </a:r>
+            <a:endParaRPr lang="de-DE" dirty="0"/>
           </a:p>
         </p:txBody>
       </p:sp>
     </p:spTree>
     <p:extLst>
       <p:ext uri="{BB962C8B-B14F-4D97-AF65-F5344CB8AC3E}">
-        <p14:creationId xmlns:p14="http://schemas.microsoft.com/office/powerpoint/2010/main" val="1859205492"/>
+        <p14:creationId xmlns:p14="http://schemas.microsoft.com/office/powerpoint/2010/main" val="3297784377"/>
       </p:ext>
     </p:extLst>
   </p:cSld>
@@ -17370,6 +17352,523 @@
           <a:chExt cx="0" cy="0"/>
         </a:xfrm>
       </p:grpSpPr>
+      <p:pic>
+        <p:nvPicPr>
+          <p:cNvPr id="5" name="Inhaltsplatzhalter 4"/>
+          <p:cNvPicPr>
+            <a:picLocks noGrp="1" noChangeAspect="1"/>
+          </p:cNvPicPr>
+          <p:nvPr>
+            <p:ph idx="1"/>
+          </p:nvPr>
+        </p:nvPicPr>
+        <p:blipFill>
+          <a:blip r:embed="rId2">
+            <a:extLst>
+              <a:ext uri="{28A0092B-C50C-407E-A947-70E740481C1C}">
+                <a14:useLocalDpi xmlns:a14="http://schemas.microsoft.com/office/drawing/2010/main" val="0"/>
+              </a:ext>
+            </a:extLst>
+          </a:blip>
+          <a:stretch>
+            <a:fillRect/>
+          </a:stretch>
+        </p:blipFill>
+        <p:spPr>
+          <a:xfrm>
+            <a:off x="250825" y="1661672"/>
+            <a:ext cx="8640763" cy="4614156"/>
+          </a:xfrm>
+        </p:spPr>
+      </p:pic>
+      <p:sp>
+        <p:nvSpPr>
+          <p:cNvPr id="3" name="Fußzeilenplatzhalter 2"/>
+          <p:cNvSpPr>
+            <a:spLocks noGrp="1"/>
+          </p:cNvSpPr>
+          <p:nvPr>
+            <p:ph type="ftr" sz="quarter" idx="10"/>
+          </p:nvPr>
+        </p:nvSpPr>
+        <p:spPr/>
+        <p:txBody>
+          <a:bodyPr/>
+          <a:lstStyle/>
+          <a:p>
+            <a:pPr>
+              <a:defRPr/>
+            </a:pPr>
+            <a:endParaRPr lang="de-DE" smtClean="0"/>
+          </a:p>
+          <a:p>
+            <a:pPr>
+              <a:defRPr/>
+            </a:pPr>
+            <a:endParaRPr lang="de-DE"/>
+          </a:p>
+        </p:txBody>
+      </p:sp>
+      <p:sp>
+        <p:nvSpPr>
+          <p:cNvPr id="4" name="Titel 3"/>
+          <p:cNvSpPr>
+            <a:spLocks noGrp="1"/>
+          </p:cNvSpPr>
+          <p:nvPr>
+            <p:ph type="title"/>
+          </p:nvPr>
+        </p:nvSpPr>
+        <p:spPr/>
+        <p:txBody>
+          <a:bodyPr/>
+          <a:lstStyle/>
+          <a:p>
+            <a:r>
+              <a:rPr lang="de-DE" dirty="0" err="1" smtClean="0"/>
+              <a:t>nSight</a:t>
+            </a:r>
+            <a:endParaRPr lang="de-DE" dirty="0"/>
+          </a:p>
+        </p:txBody>
+      </p:sp>
+    </p:spTree>
+    <p:extLst>
+      <p:ext uri="{BB962C8B-B14F-4D97-AF65-F5344CB8AC3E}">
+        <p14:creationId xmlns:p14="http://schemas.microsoft.com/office/powerpoint/2010/main" val="580239784"/>
+      </p:ext>
+    </p:extLst>
+  </p:cSld>
+  <p:clrMapOvr>
+    <a:masterClrMapping/>
+  </p:clrMapOvr>
+</p:sld>
+</file>
+
+<file path=ppt/slides/slide44.xml><?xml version="1.0" encoding="utf-8"?>
+<p:sld xmlns:a="http://schemas.openxmlformats.org/drawingml/2006/main" xmlns:r="http://schemas.openxmlformats.org/officeDocument/2006/relationships" xmlns:p="http://schemas.openxmlformats.org/presentationml/2006/main">
+  <p:cSld>
+    <p:spTree>
+      <p:nvGrpSpPr>
+        <p:cNvPr id="1" name=""/>
+        <p:cNvGrpSpPr/>
+        <p:nvPr/>
+      </p:nvGrpSpPr>
+      <p:grpSpPr>
+        <a:xfrm>
+          <a:off x="0" y="0"/>
+          <a:ext cx="0" cy="0"/>
+          <a:chOff x="0" y="0"/>
+          <a:chExt cx="0" cy="0"/>
+        </a:xfrm>
+      </p:grpSpPr>
+      <p:pic>
+        <p:nvPicPr>
+          <p:cNvPr id="5" name="Inhaltsplatzhalter 4"/>
+          <p:cNvPicPr>
+            <a:picLocks noGrp="1" noChangeAspect="1"/>
+          </p:cNvPicPr>
+          <p:nvPr>
+            <p:ph idx="1"/>
+          </p:nvPr>
+        </p:nvPicPr>
+        <p:blipFill>
+          <a:blip r:embed="rId2">
+            <a:extLst>
+              <a:ext uri="{28A0092B-C50C-407E-A947-70E740481C1C}">
+                <a14:useLocalDpi xmlns:a14="http://schemas.microsoft.com/office/drawing/2010/main" val="0"/>
+              </a:ext>
+            </a:extLst>
+          </a:blip>
+          <a:stretch>
+            <a:fillRect/>
+          </a:stretch>
+        </p:blipFill>
+        <p:spPr>
+          <a:xfrm>
+            <a:off x="250825" y="1658977"/>
+            <a:ext cx="8640763" cy="4619546"/>
+          </a:xfrm>
+        </p:spPr>
+      </p:pic>
+      <p:sp>
+        <p:nvSpPr>
+          <p:cNvPr id="3" name="Fußzeilenplatzhalter 2"/>
+          <p:cNvSpPr>
+            <a:spLocks noGrp="1"/>
+          </p:cNvSpPr>
+          <p:nvPr>
+            <p:ph type="ftr" sz="quarter" idx="10"/>
+          </p:nvPr>
+        </p:nvSpPr>
+        <p:spPr/>
+        <p:txBody>
+          <a:bodyPr/>
+          <a:lstStyle/>
+          <a:p>
+            <a:pPr>
+              <a:defRPr/>
+            </a:pPr>
+            <a:endParaRPr lang="de-DE" smtClean="0"/>
+          </a:p>
+          <a:p>
+            <a:pPr>
+              <a:defRPr/>
+            </a:pPr>
+            <a:endParaRPr lang="de-DE"/>
+          </a:p>
+        </p:txBody>
+      </p:sp>
+      <p:sp>
+        <p:nvSpPr>
+          <p:cNvPr id="4" name="Titel 3"/>
+          <p:cNvSpPr>
+            <a:spLocks noGrp="1"/>
+          </p:cNvSpPr>
+          <p:nvPr>
+            <p:ph type="title"/>
+          </p:nvPr>
+        </p:nvSpPr>
+        <p:spPr/>
+        <p:txBody>
+          <a:bodyPr/>
+          <a:lstStyle/>
+          <a:p>
+            <a:r>
+              <a:rPr lang="de-DE" dirty="0" err="1" smtClean="0"/>
+              <a:t>nSight</a:t>
+            </a:r>
+            <a:endParaRPr lang="de-DE" dirty="0"/>
+          </a:p>
+        </p:txBody>
+      </p:sp>
+    </p:spTree>
+    <p:extLst>
+      <p:ext uri="{BB962C8B-B14F-4D97-AF65-F5344CB8AC3E}">
+        <p14:creationId xmlns:p14="http://schemas.microsoft.com/office/powerpoint/2010/main" val="531381837"/>
+      </p:ext>
+    </p:extLst>
+  </p:cSld>
+  <p:clrMapOvr>
+    <a:masterClrMapping/>
+  </p:clrMapOvr>
+</p:sld>
+</file>
+
+<file path=ppt/slides/slide45.xml><?xml version="1.0" encoding="utf-8"?>
+<p:sld xmlns:a="http://schemas.openxmlformats.org/drawingml/2006/main" xmlns:r="http://schemas.openxmlformats.org/officeDocument/2006/relationships" xmlns:p="http://schemas.openxmlformats.org/presentationml/2006/main">
+  <p:cSld>
+    <p:spTree>
+      <p:nvGrpSpPr>
+        <p:cNvPr id="1" name=""/>
+        <p:cNvGrpSpPr/>
+        <p:nvPr/>
+      </p:nvGrpSpPr>
+      <p:grpSpPr>
+        <a:xfrm>
+          <a:off x="0" y="0"/>
+          <a:ext cx="0" cy="0"/>
+          <a:chOff x="0" y="0"/>
+          <a:chExt cx="0" cy="0"/>
+        </a:xfrm>
+      </p:grpSpPr>
+      <p:sp>
+        <p:nvSpPr>
+          <p:cNvPr id="2" name="Inhaltsplatzhalter 1"/>
+          <p:cNvSpPr>
+            <a:spLocks noGrp="1"/>
+          </p:cNvSpPr>
+          <p:nvPr>
+            <p:ph idx="1"/>
+          </p:nvPr>
+        </p:nvSpPr>
+        <p:spPr/>
+        <p:txBody>
+          <a:bodyPr/>
+          <a:lstStyle/>
+          <a:p>
+            <a:endParaRPr lang="de-DE" dirty="0" smtClean="0"/>
+          </a:p>
+          <a:p>
+            <a:r>
+              <a:rPr lang="de-DE" dirty="0" smtClean="0"/>
+              <a:t>Direct3D11 </a:t>
+            </a:r>
+            <a:r>
+              <a:rPr lang="de-DE" dirty="0" err="1" smtClean="0"/>
+              <a:t>and</a:t>
+            </a:r>
+            <a:r>
+              <a:rPr lang="de-DE" dirty="0" smtClean="0"/>
+              <a:t> OpenGL </a:t>
+            </a:r>
+            <a:r>
+              <a:rPr lang="de-DE" dirty="0" err="1" smtClean="0"/>
+              <a:t>now</a:t>
+            </a:r>
+            <a:r>
+              <a:rPr lang="de-DE" dirty="0" smtClean="0"/>
+              <a:t> </a:t>
+            </a:r>
+            <a:r>
+              <a:rPr lang="de-DE" dirty="0" err="1" smtClean="0"/>
+              <a:t>have</a:t>
+            </a:r>
+            <a:r>
+              <a:rPr lang="de-DE" dirty="0" smtClean="0"/>
+              <a:t> </a:t>
+            </a:r>
+            <a:r>
+              <a:rPr lang="de-DE" dirty="0" err="1" smtClean="0"/>
+              <a:t>performance</a:t>
+            </a:r>
+            <a:r>
+              <a:rPr lang="de-DE" dirty="0" smtClean="0"/>
+              <a:t> </a:t>
+            </a:r>
+            <a:r>
+              <a:rPr lang="de-DE" dirty="0" err="1" smtClean="0"/>
+              <a:t>query</a:t>
+            </a:r>
+            <a:r>
+              <a:rPr lang="de-DE" dirty="0" smtClean="0"/>
+              <a:t> </a:t>
+            </a:r>
+            <a:r>
+              <a:rPr lang="de-DE" dirty="0" err="1" smtClean="0"/>
+              <a:t>apis</a:t>
+            </a:r>
+            <a:endParaRPr lang="de-DE" dirty="0" smtClean="0"/>
+          </a:p>
+          <a:p>
+            <a:pPr lvl="1"/>
+            <a:r>
+              <a:rPr lang="de-DE" dirty="0"/>
+              <a:t>ID3D11Query</a:t>
+            </a:r>
+            <a:endParaRPr lang="de-DE" dirty="0" smtClean="0"/>
+          </a:p>
+          <a:p>
+            <a:pPr lvl="1"/>
+            <a:r>
+              <a:rPr lang="de-DE" dirty="0" err="1" smtClean="0"/>
+              <a:t>ARB_timer_query</a:t>
+            </a:r>
+            <a:endParaRPr lang="de-DE" dirty="0" smtClean="0"/>
+          </a:p>
+          <a:p>
+            <a:pPr lvl="1"/>
+            <a:endParaRPr lang="de-DE" dirty="0"/>
+          </a:p>
+          <a:p>
+            <a:pPr lvl="2"/>
+            <a:endParaRPr lang="de-DE" dirty="0"/>
+          </a:p>
+          <a:p>
+            <a:endParaRPr lang="de-DE" dirty="0" smtClean="0"/>
+          </a:p>
+        </p:txBody>
+      </p:sp>
+      <p:sp>
+        <p:nvSpPr>
+          <p:cNvPr id="3" name="Fußzeilenplatzhalter 2"/>
+          <p:cNvSpPr>
+            <a:spLocks noGrp="1"/>
+          </p:cNvSpPr>
+          <p:nvPr>
+            <p:ph type="ftr" sz="quarter" idx="10"/>
+          </p:nvPr>
+        </p:nvSpPr>
+        <p:spPr/>
+        <p:txBody>
+          <a:bodyPr/>
+          <a:lstStyle/>
+          <a:p>
+            <a:pPr>
+              <a:defRPr/>
+            </a:pPr>
+            <a:endParaRPr lang="de-DE" smtClean="0"/>
+          </a:p>
+          <a:p>
+            <a:pPr>
+              <a:defRPr/>
+            </a:pPr>
+            <a:endParaRPr lang="de-DE"/>
+          </a:p>
+        </p:txBody>
+      </p:sp>
+      <p:sp>
+        <p:nvSpPr>
+          <p:cNvPr id="4" name="Titel 3"/>
+          <p:cNvSpPr>
+            <a:spLocks noGrp="1"/>
+          </p:cNvSpPr>
+          <p:nvPr>
+            <p:ph type="title"/>
+          </p:nvPr>
+        </p:nvSpPr>
+        <p:spPr/>
+        <p:txBody>
+          <a:bodyPr/>
+          <a:lstStyle/>
+          <a:p>
+            <a:endParaRPr lang="de-DE"/>
+          </a:p>
+        </p:txBody>
+      </p:sp>
+    </p:spTree>
+    <p:extLst>
+      <p:ext uri="{BB962C8B-B14F-4D97-AF65-F5344CB8AC3E}">
+        <p14:creationId xmlns:p14="http://schemas.microsoft.com/office/powerpoint/2010/main" val="1502543170"/>
+      </p:ext>
+    </p:extLst>
+  </p:cSld>
+  <p:clrMapOvr>
+    <a:masterClrMapping/>
+  </p:clrMapOvr>
+</p:sld>
+</file>
+
+<file path=ppt/slides/slide46.xml><?xml version="1.0" encoding="utf-8"?>
+<p:sld xmlns:a="http://schemas.openxmlformats.org/drawingml/2006/main" xmlns:r="http://schemas.openxmlformats.org/officeDocument/2006/relationships" xmlns:p="http://schemas.openxmlformats.org/presentationml/2006/main">
+  <p:cSld>
+    <p:spTree>
+      <p:nvGrpSpPr>
+        <p:cNvPr id="1" name=""/>
+        <p:cNvGrpSpPr/>
+        <p:nvPr/>
+      </p:nvGrpSpPr>
+      <p:grpSpPr>
+        <a:xfrm>
+          <a:off x="0" y="0"/>
+          <a:ext cx="0" cy="0"/>
+          <a:chOff x="0" y="0"/>
+          <a:chExt cx="0" cy="0"/>
+        </a:xfrm>
+      </p:grpSpPr>
+      <p:sp>
+        <p:nvSpPr>
+          <p:cNvPr id="2" name="Inhaltsplatzhalter 1"/>
+          <p:cNvSpPr>
+            <a:spLocks noGrp="1"/>
+          </p:cNvSpPr>
+          <p:nvPr>
+            <p:ph idx="1"/>
+          </p:nvPr>
+        </p:nvSpPr>
+        <p:spPr/>
+        <p:txBody>
+          <a:bodyPr/>
+          <a:lstStyle/>
+          <a:p>
+            <a:endParaRPr lang="de-DE" b="0" dirty="0"/>
+          </a:p>
+          <a:p>
+            <a:r>
+              <a:rPr lang="de-DE" dirty="0"/>
+              <a:t>2.1 Hardware </a:t>
+            </a:r>
+            <a:endParaRPr lang="de-DE" b="0" dirty="0"/>
+          </a:p>
+          <a:p>
+            <a:r>
+              <a:rPr lang="en-US" b="0" dirty="0"/>
+              <a:t>What makes it so important that texture compression algorithms are directly supported by the hardware</a:t>
+            </a:r>
+            <a:r>
+              <a:rPr lang="en-US" b="0" dirty="0" smtClean="0"/>
+              <a:t>?</a:t>
+            </a:r>
+          </a:p>
+          <a:p>
+            <a:endParaRPr lang="en-US" b="0" dirty="0"/>
+          </a:p>
+          <a:p>
+            <a:r>
+              <a:rPr lang="en-US" b="0" dirty="0" smtClean="0"/>
+              <a:t>Reading pixels is the most fundamental and speed critical operation of GPUs.</a:t>
+            </a:r>
+            <a:endParaRPr lang="de-DE" dirty="0"/>
+          </a:p>
+        </p:txBody>
+      </p:sp>
+      <p:sp>
+        <p:nvSpPr>
+          <p:cNvPr id="3" name="Fußzeilenplatzhalter 2"/>
+          <p:cNvSpPr>
+            <a:spLocks noGrp="1"/>
+          </p:cNvSpPr>
+          <p:nvPr>
+            <p:ph type="ftr" sz="quarter" idx="10"/>
+          </p:nvPr>
+        </p:nvSpPr>
+        <p:spPr/>
+        <p:txBody>
+          <a:bodyPr/>
+          <a:lstStyle/>
+          <a:p>
+            <a:pPr>
+              <a:defRPr/>
+            </a:pPr>
+            <a:endParaRPr lang="de-DE" smtClean="0"/>
+          </a:p>
+          <a:p>
+            <a:pPr>
+              <a:defRPr/>
+            </a:pPr>
+            <a:endParaRPr lang="de-DE"/>
+          </a:p>
+        </p:txBody>
+      </p:sp>
+      <p:sp>
+        <p:nvSpPr>
+          <p:cNvPr id="4" name="Titel 3"/>
+          <p:cNvSpPr>
+            <a:spLocks noGrp="1"/>
+          </p:cNvSpPr>
+          <p:nvPr>
+            <p:ph type="title"/>
+          </p:nvPr>
+        </p:nvSpPr>
+        <p:spPr/>
+        <p:txBody>
+          <a:bodyPr/>
+          <a:lstStyle/>
+          <a:p>
+            <a:endParaRPr lang="de-DE"/>
+          </a:p>
+        </p:txBody>
+      </p:sp>
+    </p:spTree>
+    <p:extLst>
+      <p:ext uri="{BB962C8B-B14F-4D97-AF65-F5344CB8AC3E}">
+        <p14:creationId xmlns:p14="http://schemas.microsoft.com/office/powerpoint/2010/main" val="1859205492"/>
+      </p:ext>
+    </p:extLst>
+  </p:cSld>
+  <p:clrMapOvr>
+    <a:masterClrMapping/>
+  </p:clrMapOvr>
+</p:sld>
+</file>
+
+<file path=ppt/slides/slide47.xml><?xml version="1.0" encoding="utf-8"?>
+<p:sld xmlns:a="http://schemas.openxmlformats.org/drawingml/2006/main" xmlns:r="http://schemas.openxmlformats.org/officeDocument/2006/relationships" xmlns:p="http://schemas.openxmlformats.org/presentationml/2006/main">
+  <p:cSld>
+    <p:spTree>
+      <p:nvGrpSpPr>
+        <p:cNvPr id="1" name=""/>
+        <p:cNvGrpSpPr/>
+        <p:nvPr/>
+      </p:nvGrpSpPr>
+      <p:grpSpPr>
+        <a:xfrm>
+          <a:off x="0" y="0"/>
+          <a:ext cx="0" cy="0"/>
+          <a:chOff x="0" y="0"/>
+          <a:chExt cx="0" cy="0"/>
+        </a:xfrm>
+      </p:grpSpPr>
       <p:sp>
         <p:nvSpPr>
           <p:cNvPr id="2" name="Inhaltsplatzhalter 1"/>
@@ -17492,7 +17991,7 @@
 </p:sld>
 </file>
 
-<file path=ppt/slides/slide44.xml><?xml version="1.0" encoding="utf-8"?>
+<file path=ppt/slides/slide48.xml><?xml version="1.0" encoding="utf-8"?>
 <p:sld xmlns:a="http://schemas.openxmlformats.org/drawingml/2006/main" xmlns:r="http://schemas.openxmlformats.org/officeDocument/2006/relationships" xmlns:p="http://schemas.openxmlformats.org/presentationml/2006/main">
   <p:cSld>
     <p:spTree>
@@ -19115,7 +19614,7 @@
         <a:effectLst/>
         <a:extLst>
           <a:ext uri="{AF507438-7753-43e0-B8FC-AC1667EBCBE1}">
-            <a14:hiddenEffects xmlns:a14="http://schemas.microsoft.com/office/drawing/2010/main" xmlns="">
+            <a14:hiddenEffects xmlns="" xmlns:a14="http://schemas.microsoft.com/office/drawing/2010/main">
               <a:effectLst>
                 <a:outerShdw dist="35921" dir="2700000" algn="ctr" rotWithShape="0">
                   <a:schemeClr val="bg2"/>
@@ -19190,7 +19689,7 @@
         <a:effectLst/>
         <a:extLst>
           <a:ext uri="{AF507438-7753-43e0-B8FC-AC1667EBCBE1}">
-            <a14:hiddenEffects xmlns:a14="http://schemas.microsoft.com/office/drawing/2010/main" xmlns="">
+            <a14:hiddenEffects xmlns="" xmlns:a14="http://schemas.microsoft.com/office/drawing/2010/main">
               <a:effectLst>
                 <a:outerShdw dist="35921" dir="2700000" algn="ctr" rotWithShape="0">
                   <a:schemeClr val="bg2"/>

--- a/slides/gametech12.pptx
+++ b/slides/gametech12.pptx
@@ -5,10 +5,10 @@
     <p:sldMasterId id="2147483652" r:id="rId1"/>
   </p:sldMasterIdLst>
   <p:notesMasterIdLst>
-    <p:notesMasterId r:id="rId50"/>
+    <p:notesMasterId r:id="rId51"/>
   </p:notesMasterIdLst>
   <p:handoutMasterIdLst>
-    <p:handoutMasterId r:id="rId51"/>
+    <p:handoutMasterId r:id="rId52"/>
   </p:handoutMasterIdLst>
   <p:sldIdLst>
     <p:sldId id="325" r:id="rId2"/>
@@ -55,10 +55,11 @@
     <p:sldId id="465" r:id="rId43"/>
     <p:sldId id="467" r:id="rId44"/>
     <p:sldId id="466" r:id="rId45"/>
-    <p:sldId id="468" r:id="rId46"/>
-    <p:sldId id="462" r:id="rId47"/>
-    <p:sldId id="463" r:id="rId48"/>
-    <p:sldId id="464" r:id="rId49"/>
+    <p:sldId id="469" r:id="rId46"/>
+    <p:sldId id="468" r:id="rId47"/>
+    <p:sldId id="462" r:id="rId48"/>
+    <p:sldId id="463" r:id="rId49"/>
+    <p:sldId id="464" r:id="rId50"/>
   </p:sldIdLst>
   <p:sldSz cx="9144000" cy="6858000" type="screen4x3"/>
   <p:notesSz cx="6858000" cy="9947275"/>
@@ -310,14 +311,14 @@
           <a:effectLst/>
           <a:extLst>
             <a:ext uri="{909E8E84-426E-40dd-AFC4-6F175D3DCCD1}">
-              <a14:hiddenFill xmlns="" xmlns:a14="http://schemas.microsoft.com/office/drawing/2010/main">
+              <a14:hiddenFill xmlns:a14="http://schemas.microsoft.com/office/drawing/2010/main" xmlns="">
                 <a:solidFill>
                   <a:schemeClr val="accent1"/>
                 </a:solidFill>
               </a14:hiddenFill>
             </a:ext>
             <a:ext uri="{91240B29-F687-4f45-9708-019B960494DF}">
-              <a14:hiddenLine xmlns="" xmlns:a14="http://schemas.microsoft.com/office/drawing/2010/main" w="9525">
+              <a14:hiddenLine xmlns:a14="http://schemas.microsoft.com/office/drawing/2010/main" xmlns="" w="9525">
                 <a:solidFill>
                   <a:schemeClr val="tx1"/>
                 </a:solidFill>
@@ -327,7 +328,7 @@
               </a14:hiddenLine>
             </a:ext>
             <a:ext uri="{AF507438-7753-43e0-B8FC-AC1667EBCBE1}">
-              <a14:hiddenEffects xmlns="" xmlns:a14="http://schemas.microsoft.com/office/drawing/2010/main">
+              <a14:hiddenEffects xmlns:a14="http://schemas.microsoft.com/office/drawing/2010/main" xmlns="">
                 <a:effectLst>
                   <a:outerShdw dist="35921" dir="2700000" algn="ctr" rotWithShape="0">
                     <a:schemeClr val="bg2"/>
@@ -388,14 +389,14 @@
           <a:effectLst/>
           <a:extLst>
             <a:ext uri="{909E8E84-426E-40dd-AFC4-6F175D3DCCD1}">
-              <a14:hiddenFill xmlns="" xmlns:a14="http://schemas.microsoft.com/office/drawing/2010/main">
+              <a14:hiddenFill xmlns:a14="http://schemas.microsoft.com/office/drawing/2010/main" xmlns="">
                 <a:solidFill>
                   <a:schemeClr val="accent1"/>
                 </a:solidFill>
               </a14:hiddenFill>
             </a:ext>
             <a:ext uri="{91240B29-F687-4f45-9708-019B960494DF}">
-              <a14:hiddenLine xmlns="" xmlns:a14="http://schemas.microsoft.com/office/drawing/2010/main" w="9525">
+              <a14:hiddenLine xmlns:a14="http://schemas.microsoft.com/office/drawing/2010/main" xmlns="" w="9525">
                 <a:solidFill>
                   <a:schemeClr val="tx1"/>
                 </a:solidFill>
@@ -405,7 +406,7 @@
               </a14:hiddenLine>
             </a:ext>
             <a:ext uri="{AF507438-7753-43e0-B8FC-AC1667EBCBE1}">
-              <a14:hiddenEffects xmlns="" xmlns:a14="http://schemas.microsoft.com/office/drawing/2010/main">
+              <a14:hiddenEffects xmlns:a14="http://schemas.microsoft.com/office/drawing/2010/main" xmlns="">
                 <a:effectLst>
                   <a:outerShdw dist="35921" dir="2700000" algn="ctr" rotWithShape="0">
                     <a:schemeClr val="bg2"/>
@@ -466,14 +467,14 @@
           <a:effectLst/>
           <a:extLst>
             <a:ext uri="{909E8E84-426E-40dd-AFC4-6F175D3DCCD1}">
-              <a14:hiddenFill xmlns="" xmlns:a14="http://schemas.microsoft.com/office/drawing/2010/main">
+              <a14:hiddenFill xmlns:a14="http://schemas.microsoft.com/office/drawing/2010/main" xmlns="">
                 <a:solidFill>
                   <a:schemeClr val="accent1"/>
                 </a:solidFill>
               </a14:hiddenFill>
             </a:ext>
             <a:ext uri="{91240B29-F687-4f45-9708-019B960494DF}">
-              <a14:hiddenLine xmlns="" xmlns:a14="http://schemas.microsoft.com/office/drawing/2010/main" w="9525">
+              <a14:hiddenLine xmlns:a14="http://schemas.microsoft.com/office/drawing/2010/main" xmlns="" w="9525">
                 <a:solidFill>
                   <a:schemeClr val="tx1"/>
                 </a:solidFill>
@@ -483,7 +484,7 @@
               </a14:hiddenLine>
             </a:ext>
             <a:ext uri="{AF507438-7753-43e0-B8FC-AC1667EBCBE1}">
-              <a14:hiddenEffects xmlns="" xmlns:a14="http://schemas.microsoft.com/office/drawing/2010/main">
+              <a14:hiddenEffects xmlns:a14="http://schemas.microsoft.com/office/drawing/2010/main" xmlns="">
                 <a:effectLst>
                   <a:outerShdw dist="35921" dir="2700000" algn="ctr" rotWithShape="0">
                     <a:schemeClr val="bg2"/>
@@ -544,14 +545,14 @@
           <a:effectLst/>
           <a:extLst>
             <a:ext uri="{909E8E84-426E-40dd-AFC4-6F175D3DCCD1}">
-              <a14:hiddenFill xmlns="" xmlns:a14="http://schemas.microsoft.com/office/drawing/2010/main">
+              <a14:hiddenFill xmlns:a14="http://schemas.microsoft.com/office/drawing/2010/main" xmlns="">
                 <a:solidFill>
                   <a:schemeClr val="accent1"/>
                 </a:solidFill>
               </a14:hiddenFill>
             </a:ext>
             <a:ext uri="{91240B29-F687-4f45-9708-019B960494DF}">
-              <a14:hiddenLine xmlns="" xmlns:a14="http://schemas.microsoft.com/office/drawing/2010/main" w="9525">
+              <a14:hiddenLine xmlns:a14="http://schemas.microsoft.com/office/drawing/2010/main" xmlns="" w="9525">
                 <a:solidFill>
                   <a:schemeClr val="tx1"/>
                 </a:solidFill>
@@ -561,7 +562,7 @@
               </a14:hiddenLine>
             </a:ext>
             <a:ext uri="{AF507438-7753-43e0-B8FC-AC1667EBCBE1}">
-              <a14:hiddenEffects xmlns="" xmlns:a14="http://schemas.microsoft.com/office/drawing/2010/main">
+              <a14:hiddenEffects xmlns:a14="http://schemas.microsoft.com/office/drawing/2010/main" xmlns="">
                 <a:effectLst>
                   <a:outerShdw dist="35921" dir="2700000" algn="ctr" rotWithShape="0">
                     <a:schemeClr val="bg2"/>
@@ -667,7 +668,7 @@
           <a:effectLst/>
           <a:extLst>
             <a:ext uri="{91240B29-F687-4f45-9708-019B960494DF}">
-              <a14:hiddenLine xmlns="" xmlns:a14="http://schemas.microsoft.com/office/drawing/2010/main" w="9525">
+              <a14:hiddenLine xmlns:a14="http://schemas.microsoft.com/office/drawing/2010/main" xmlns="" w="9525">
                 <a:solidFill>
                   <a:srgbClr val="000000"/>
                 </a:solidFill>
@@ -677,7 +678,7 @@
               </a14:hiddenLine>
             </a:ext>
             <a:ext uri="{AF507438-7753-43e0-B8FC-AC1667EBCBE1}">
-              <a14:hiddenEffects xmlns="" xmlns:a14="http://schemas.microsoft.com/office/drawing/2010/main">
+              <a14:hiddenEffects xmlns:a14="http://schemas.microsoft.com/office/drawing/2010/main" xmlns="">
                 <a:effectLst>
                   <a:outerShdw dist="35921" dir="2700000" algn="ctr" rotWithShape="0">
                     <a:srgbClr val="808080"/>
@@ -731,7 +732,7 @@
           <a:effectLst/>
           <a:extLst>
             <a:ext uri="{909E8E84-426E-40dd-AFC4-6F175D3DCCD1}">
-              <a14:hiddenFill xmlns="" xmlns:a14="http://schemas.microsoft.com/office/drawing/2010/main">
+              <a14:hiddenFill xmlns:a14="http://schemas.microsoft.com/office/drawing/2010/main" xmlns="">
                 <a:blipFill dpi="0" rotWithShape="0">
                   <a:blip/>
                   <a:srcRect/>
@@ -742,7 +743,7 @@
               </a14:hiddenFill>
             </a:ext>
             <a:ext uri="{91240B29-F687-4f45-9708-019B960494DF}">
-              <a14:hiddenLine xmlns="" xmlns:a14="http://schemas.microsoft.com/office/drawing/2010/main" w="9525">
+              <a14:hiddenLine xmlns:a14="http://schemas.microsoft.com/office/drawing/2010/main" xmlns="" w="9525">
                 <a:solidFill>
                   <a:srgbClr val="000000"/>
                 </a:solidFill>
@@ -752,7 +753,7 @@
               </a14:hiddenLine>
             </a:ext>
             <a:ext uri="{AF507438-7753-43e0-B8FC-AC1667EBCBE1}">
-              <a14:hiddenEffects xmlns="" xmlns:a14="http://schemas.microsoft.com/office/drawing/2010/main">
+              <a14:hiddenEffects xmlns:a14="http://schemas.microsoft.com/office/drawing/2010/main" xmlns="">
                 <a:effectLst>
                   <a:outerShdw dist="35921" dir="2700000" algn="ctr" rotWithShape="0">
                     <a:srgbClr val="808080"/>
@@ -788,14 +789,14 @@
           <a:effectLst/>
           <a:extLst>
             <a:ext uri="{909E8E84-426E-40dd-AFC4-6F175D3DCCD1}">
-              <a14:hiddenFill xmlns="" xmlns:a14="http://schemas.microsoft.com/office/drawing/2010/main">
+              <a14:hiddenFill xmlns:a14="http://schemas.microsoft.com/office/drawing/2010/main" xmlns="">
                 <a:solidFill>
                   <a:srgbClr val="FFFFFF"/>
                 </a:solidFill>
               </a14:hiddenFill>
             </a:ext>
             <a:ext uri="{91240B29-F687-4f45-9708-019B960494DF}">
-              <a14:hiddenLine xmlns="" xmlns:a14="http://schemas.microsoft.com/office/drawing/2010/main" w="9525">
+              <a14:hiddenLine xmlns:a14="http://schemas.microsoft.com/office/drawing/2010/main" xmlns="" w="9525">
                 <a:solidFill>
                   <a:srgbClr val="000000"/>
                 </a:solidFill>
@@ -805,7 +806,7 @@
               </a14:hiddenLine>
             </a:ext>
             <a:ext uri="{AF507438-7753-43e0-B8FC-AC1667EBCBE1}">
-              <a14:hiddenEffects xmlns="" xmlns:a14="http://schemas.microsoft.com/office/drawing/2010/main">
+              <a14:hiddenEffects xmlns:a14="http://schemas.microsoft.com/office/drawing/2010/main" xmlns="">
                 <a:effectLst>
                   <a:outerShdw dist="35921" dir="2700000" algn="ctr" rotWithShape="0">
                     <a:schemeClr val="bg2"/>
@@ -883,7 +884,7 @@
           <a:effectLst/>
           <a:extLst>
             <a:ext uri="{AF507438-7753-43e0-B8FC-AC1667EBCBE1}">
-              <a14:hiddenEffects xmlns="" xmlns:a14="http://schemas.microsoft.com/office/drawing/2010/main">
+              <a14:hiddenEffects xmlns:a14="http://schemas.microsoft.com/office/drawing/2010/main" xmlns="">
                 <a:effectLst>
                   <a:outerShdw dist="35921" dir="2700000" algn="ctr" rotWithShape="0">
                     <a:schemeClr val="bg2"/>
@@ -919,14 +920,14 @@
           <a:effectLst/>
           <a:extLst>
             <a:ext uri="{909E8E84-426E-40dd-AFC4-6F175D3DCCD1}">
-              <a14:hiddenFill xmlns="" xmlns:a14="http://schemas.microsoft.com/office/drawing/2010/main">
+              <a14:hiddenFill xmlns:a14="http://schemas.microsoft.com/office/drawing/2010/main" xmlns="">
                 <a:solidFill>
                   <a:srgbClr val="FFFFFF"/>
                 </a:solidFill>
               </a14:hiddenFill>
             </a:ext>
             <a:ext uri="{91240B29-F687-4f45-9708-019B960494DF}">
-              <a14:hiddenLine xmlns="" xmlns:a14="http://schemas.microsoft.com/office/drawing/2010/main" w="9525">
+              <a14:hiddenLine xmlns:a14="http://schemas.microsoft.com/office/drawing/2010/main" xmlns="" w="9525">
                 <a:solidFill>
                   <a:srgbClr val="000000"/>
                 </a:solidFill>
@@ -936,7 +937,7 @@
               </a14:hiddenLine>
             </a:ext>
             <a:ext uri="{AF507438-7753-43e0-B8FC-AC1667EBCBE1}">
-              <a14:hiddenEffects xmlns="" xmlns:a14="http://schemas.microsoft.com/office/drawing/2010/main">
+              <a14:hiddenEffects xmlns:a14="http://schemas.microsoft.com/office/drawing/2010/main" xmlns="">
                 <a:effectLst>
                   <a:outerShdw dist="35921" dir="2700000" algn="ctr" rotWithShape="0">
                     <a:schemeClr val="bg2"/>
@@ -984,14 +985,14 @@
           <a:effectLst/>
           <a:extLst>
             <a:ext uri="{909E8E84-426E-40dd-AFC4-6F175D3DCCD1}">
-              <a14:hiddenFill xmlns="" xmlns:a14="http://schemas.microsoft.com/office/drawing/2010/main">
+              <a14:hiddenFill xmlns:a14="http://schemas.microsoft.com/office/drawing/2010/main" xmlns="">
                 <a:solidFill>
                   <a:srgbClr val="FFFFFF"/>
                 </a:solidFill>
               </a14:hiddenFill>
             </a:ext>
             <a:ext uri="{91240B29-F687-4f45-9708-019B960494DF}">
-              <a14:hiddenLine xmlns="" xmlns:a14="http://schemas.microsoft.com/office/drawing/2010/main" w="9525">
+              <a14:hiddenLine xmlns:a14="http://schemas.microsoft.com/office/drawing/2010/main" xmlns="" w="9525">
                 <a:solidFill>
                   <a:srgbClr val="000000"/>
                 </a:solidFill>
@@ -1001,7 +1002,7 @@
               </a14:hiddenLine>
             </a:ext>
             <a:ext uri="{AF507438-7753-43e0-B8FC-AC1667EBCBE1}">
-              <a14:hiddenEffects xmlns="" xmlns:a14="http://schemas.microsoft.com/office/drawing/2010/main">
+              <a14:hiddenEffects xmlns:a14="http://schemas.microsoft.com/office/drawing/2010/main" xmlns="">
                 <a:effectLst>
                   <a:outerShdw dist="35921" dir="2700000" algn="ctr" rotWithShape="0">
                     <a:schemeClr val="bg2"/>
@@ -1075,14 +1076,14 @@
           <a:effectLst/>
           <a:extLst>
             <a:ext uri="{909E8E84-426E-40dd-AFC4-6F175D3DCCD1}">
-              <a14:hiddenFill xmlns="" xmlns:a14="http://schemas.microsoft.com/office/drawing/2010/main">
+              <a14:hiddenFill xmlns:a14="http://schemas.microsoft.com/office/drawing/2010/main" xmlns="">
                 <a:solidFill>
                   <a:srgbClr val="FFFFFF"/>
                 </a:solidFill>
               </a14:hiddenFill>
             </a:ext>
             <a:ext uri="{91240B29-F687-4f45-9708-019B960494DF}">
-              <a14:hiddenLine xmlns="" xmlns:a14="http://schemas.microsoft.com/office/drawing/2010/main" w="9525">
+              <a14:hiddenLine xmlns:a14="http://schemas.microsoft.com/office/drawing/2010/main" xmlns="" w="9525">
                 <a:solidFill>
                   <a:srgbClr val="000000"/>
                 </a:solidFill>
@@ -1092,7 +1093,7 @@
               </a14:hiddenLine>
             </a:ext>
             <a:ext uri="{AF507438-7753-43e0-B8FC-AC1667EBCBE1}">
-              <a14:hiddenEffects xmlns="" xmlns:a14="http://schemas.microsoft.com/office/drawing/2010/main">
+              <a14:hiddenEffects xmlns:a14="http://schemas.microsoft.com/office/drawing/2010/main" xmlns="">
                 <a:effectLst>
                   <a:outerShdw dist="35921" dir="2700000" algn="ctr" rotWithShape="0">
                     <a:schemeClr val="bg2"/>
@@ -1168,14 +1169,14 @@
           <a:effectLst/>
           <a:extLst>
             <a:ext uri="{909E8E84-426E-40dd-AFC4-6F175D3DCCD1}">
-              <a14:hiddenFill xmlns="" xmlns:a14="http://schemas.microsoft.com/office/drawing/2010/main">
+              <a14:hiddenFill xmlns:a14="http://schemas.microsoft.com/office/drawing/2010/main" xmlns="">
                 <a:solidFill>
                   <a:srgbClr val="FFFFFF"/>
                 </a:solidFill>
               </a14:hiddenFill>
             </a:ext>
             <a:ext uri="{91240B29-F687-4f45-9708-019B960494DF}">
-              <a14:hiddenLine xmlns="" xmlns:a14="http://schemas.microsoft.com/office/drawing/2010/main" w="9525">
+              <a14:hiddenLine xmlns:a14="http://schemas.microsoft.com/office/drawing/2010/main" xmlns="" w="9525">
                 <a:solidFill>
                   <a:srgbClr val="000000"/>
                 </a:solidFill>
@@ -1185,7 +1186,7 @@
               </a14:hiddenLine>
             </a:ext>
             <a:ext uri="{AF507438-7753-43e0-B8FC-AC1667EBCBE1}">
-              <a14:hiddenEffects xmlns="" xmlns:a14="http://schemas.microsoft.com/office/drawing/2010/main">
+              <a14:hiddenEffects xmlns:a14="http://schemas.microsoft.com/office/drawing/2010/main" xmlns="">
                 <a:effectLst>
                   <a:outerShdw dist="35921" dir="2700000" algn="ctr" rotWithShape="0">
                     <a:srgbClr val="808080"/>
@@ -1254,7 +1255,7 @@
           <a:effectLst/>
           <a:extLst>
             <a:ext uri="{91240B29-F687-4f45-9708-019B960494DF}">
-              <a14:hiddenLine xmlns="" xmlns:a14="http://schemas.microsoft.com/office/drawing/2010/main" w="9525">
+              <a14:hiddenLine xmlns:a14="http://schemas.microsoft.com/office/drawing/2010/main" xmlns="" w="9525">
                 <a:solidFill>
                   <a:srgbClr val="000000"/>
                 </a:solidFill>
@@ -1264,7 +1265,7 @@
               </a14:hiddenLine>
             </a:ext>
             <a:ext uri="{AF507438-7753-43e0-B8FC-AC1667EBCBE1}">
-              <a14:hiddenEffects xmlns="" xmlns:a14="http://schemas.microsoft.com/office/drawing/2010/main">
+              <a14:hiddenEffects xmlns:a14="http://schemas.microsoft.com/office/drawing/2010/main" xmlns="">
                 <a:effectLst>
                   <a:outerShdw dist="35921" dir="2700000" algn="ctr" rotWithShape="0">
                     <a:srgbClr val="808080"/>
@@ -1310,12 +1311,12 @@
           <a:effectLst/>
           <a:extLst>
             <a:ext uri="{909E8E84-426E-40dd-AFC4-6F175D3DCCD1}">
-              <a14:hiddenFill xmlns="" xmlns:a14="http://schemas.microsoft.com/office/drawing/2010/main">
+              <a14:hiddenFill xmlns:a14="http://schemas.microsoft.com/office/drawing/2010/main" xmlns="">
                 <a:noFill/>
               </a14:hiddenFill>
             </a:ext>
             <a:ext uri="{AF507438-7753-43e0-B8FC-AC1667EBCBE1}">
-              <a14:hiddenEffects xmlns="" xmlns:a14="http://schemas.microsoft.com/office/drawing/2010/main">
+              <a14:hiddenEffects xmlns:a14="http://schemas.microsoft.com/office/drawing/2010/main" xmlns="">
                 <a:effectLst>
                   <a:outerShdw dist="35921" dir="2700000" algn="ctr" rotWithShape="0">
                     <a:srgbClr val="808080"/>
@@ -1361,12 +1362,12 @@
           <a:effectLst/>
           <a:extLst>
             <a:ext uri="{909E8E84-426E-40dd-AFC4-6F175D3DCCD1}">
-              <a14:hiddenFill xmlns="" xmlns:a14="http://schemas.microsoft.com/office/drawing/2010/main">
+              <a14:hiddenFill xmlns:a14="http://schemas.microsoft.com/office/drawing/2010/main" xmlns="">
                 <a:noFill/>
               </a14:hiddenFill>
             </a:ext>
             <a:ext uri="{AF507438-7753-43e0-B8FC-AC1667EBCBE1}">
-              <a14:hiddenEffects xmlns="" xmlns:a14="http://schemas.microsoft.com/office/drawing/2010/main">
+              <a14:hiddenEffects xmlns:a14="http://schemas.microsoft.com/office/drawing/2010/main" xmlns="">
                 <a:effectLst>
                   <a:outerShdw dist="35921" dir="2700000" algn="ctr" rotWithShape="0">
                     <a:srgbClr val="808080"/>
@@ -1412,12 +1413,12 @@
           <a:effectLst/>
           <a:extLst>
             <a:ext uri="{909E8E84-426E-40dd-AFC4-6F175D3DCCD1}">
-              <a14:hiddenFill xmlns="" xmlns:a14="http://schemas.microsoft.com/office/drawing/2010/main">
+              <a14:hiddenFill xmlns:a14="http://schemas.microsoft.com/office/drawing/2010/main" xmlns="">
                 <a:noFill/>
               </a14:hiddenFill>
             </a:ext>
             <a:ext uri="{AF507438-7753-43e0-B8FC-AC1667EBCBE1}">
-              <a14:hiddenEffects xmlns="" xmlns:a14="http://schemas.microsoft.com/office/drawing/2010/main">
+              <a14:hiddenEffects xmlns:a14="http://schemas.microsoft.com/office/drawing/2010/main" xmlns="">
                 <a:effectLst>
                   <a:outerShdw dist="35921" dir="2700000" algn="ctr" rotWithShape="0">
                     <a:srgbClr val="808080"/>
@@ -1463,12 +1464,12 @@
           <a:effectLst/>
           <a:extLst>
             <a:ext uri="{909E8E84-426E-40dd-AFC4-6F175D3DCCD1}">
-              <a14:hiddenFill xmlns="" xmlns:a14="http://schemas.microsoft.com/office/drawing/2010/main">
+              <a14:hiddenFill xmlns:a14="http://schemas.microsoft.com/office/drawing/2010/main" xmlns="">
                 <a:noFill/>
               </a14:hiddenFill>
             </a:ext>
             <a:ext uri="{AF507438-7753-43e0-B8FC-AC1667EBCBE1}">
-              <a14:hiddenEffects xmlns="" xmlns:a14="http://schemas.microsoft.com/office/drawing/2010/main">
+              <a14:hiddenEffects xmlns:a14="http://schemas.microsoft.com/office/drawing/2010/main" xmlns="">
                 <a:effectLst>
                   <a:outerShdw dist="35921" dir="2700000" algn="ctr" rotWithShape="0">
                     <a:srgbClr val="808080"/>
@@ -2379,7 +2380,7 @@
           <a:effectLst/>
           <a:extLst>
             <a:ext uri="{91240B29-F687-4f45-9708-019B960494DF}">
-              <a14:hiddenLine xmlns="" xmlns:a14="http://schemas.microsoft.com/office/drawing/2010/main" w="9525">
+              <a14:hiddenLine xmlns:a14="http://schemas.microsoft.com/office/drawing/2010/main" xmlns="" w="9525">
                 <a:solidFill>
                   <a:schemeClr val="tx1"/>
                 </a:solidFill>
@@ -2389,7 +2390,7 @@
               </a14:hiddenLine>
             </a:ext>
             <a:ext uri="{AF507438-7753-43e0-B8FC-AC1667EBCBE1}">
-              <a14:hiddenEffects xmlns="" xmlns:a14="http://schemas.microsoft.com/office/drawing/2010/main">
+              <a14:hiddenEffects xmlns:a14="http://schemas.microsoft.com/office/drawing/2010/main" xmlns="">
                 <a:effectLst>
                   <a:outerShdw dist="35921" dir="2700000" algn="ctr" rotWithShape="0">
                     <a:schemeClr val="bg2"/>
@@ -2444,7 +2445,7 @@
           </a:ln>
           <a:extLst>
             <a:ext uri="{91240B29-F687-4f45-9708-019B960494DF}">
-              <a14:hiddenLine xmlns="" xmlns:a14="http://schemas.microsoft.com/office/drawing/2010/main" w="3175">
+              <a14:hiddenLine xmlns:a14="http://schemas.microsoft.com/office/drawing/2010/main" xmlns="" w="3175">
                 <a:solidFill>
                   <a:srgbClr val="B5B5B5"/>
                 </a:solidFill>
@@ -2488,7 +2489,7 @@
           <a:effectLst/>
           <a:extLst>
             <a:ext uri="{91240B29-F687-4f45-9708-019B960494DF}">
-              <a14:hiddenLine xmlns="" xmlns:a14="http://schemas.microsoft.com/office/drawing/2010/main" w="9525">
+              <a14:hiddenLine xmlns:a14="http://schemas.microsoft.com/office/drawing/2010/main" xmlns="" w="9525">
                 <a:solidFill>
                   <a:schemeClr val="tx1"/>
                 </a:solidFill>
@@ -2498,7 +2499,7 @@
               </a14:hiddenLine>
             </a:ext>
             <a:ext uri="{AF507438-7753-43e0-B8FC-AC1667EBCBE1}">
-              <a14:hiddenEffects xmlns="" xmlns:a14="http://schemas.microsoft.com/office/drawing/2010/main">
+              <a14:hiddenEffects xmlns:a14="http://schemas.microsoft.com/office/drawing/2010/main" xmlns="">
                 <a:effectLst>
                   <a:outerShdw dist="35921" dir="2700000" algn="ctr" rotWithShape="0">
                     <a:schemeClr val="bg2"/>
@@ -2541,7 +2542,7 @@
           <a:effectLst/>
           <a:extLst>
             <a:ext uri="{91240B29-F687-4f45-9708-019B960494DF}">
-              <a14:hiddenLine xmlns="" xmlns:a14="http://schemas.microsoft.com/office/drawing/2010/main" w="9525">
+              <a14:hiddenLine xmlns:a14="http://schemas.microsoft.com/office/drawing/2010/main" xmlns="" w="9525">
                 <a:solidFill>
                   <a:schemeClr val="tx1"/>
                 </a:solidFill>
@@ -2551,7 +2552,7 @@
               </a14:hiddenLine>
             </a:ext>
             <a:ext uri="{AF507438-7753-43e0-B8FC-AC1667EBCBE1}">
-              <a14:hiddenEffects xmlns="" xmlns:a14="http://schemas.microsoft.com/office/drawing/2010/main">
+              <a14:hiddenEffects xmlns:a14="http://schemas.microsoft.com/office/drawing/2010/main" xmlns="">
                 <a:effectLst>
                   <a:outerShdw dist="35921" dir="2700000" algn="ctr" rotWithShape="0">
                     <a:schemeClr val="bg2"/>
@@ -2592,14 +2593,14 @@
           <a:effectLst/>
           <a:extLst>
             <a:ext uri="{909E8E84-426E-40dd-AFC4-6F175D3DCCD1}">
-              <a14:hiddenFill xmlns="" xmlns:a14="http://schemas.microsoft.com/office/drawing/2010/main">
+              <a14:hiddenFill xmlns:a14="http://schemas.microsoft.com/office/drawing/2010/main" xmlns="">
                 <a:solidFill>
                   <a:srgbClr val="FFFF99"/>
                 </a:solidFill>
               </a14:hiddenFill>
             </a:ext>
             <a:ext uri="{91240B29-F687-4f45-9708-019B960494DF}">
-              <a14:hiddenLine xmlns="" xmlns:a14="http://schemas.microsoft.com/office/drawing/2010/main" w="9525">
+              <a14:hiddenLine xmlns:a14="http://schemas.microsoft.com/office/drawing/2010/main" xmlns="" w="9525">
                 <a:solidFill>
                   <a:schemeClr val="tx1"/>
                 </a:solidFill>
@@ -2609,7 +2610,7 @@
               </a14:hiddenLine>
             </a:ext>
             <a:ext uri="{AF507438-7753-43e0-B8FC-AC1667EBCBE1}">
-              <a14:hiddenEffects xmlns="" xmlns:a14="http://schemas.microsoft.com/office/drawing/2010/main">
+              <a14:hiddenEffects xmlns:a14="http://schemas.microsoft.com/office/drawing/2010/main" xmlns="">
                 <a:effectLst>
                   <a:outerShdw dist="35921" dir="2700000" algn="ctr" rotWithShape="0">
                     <a:schemeClr val="bg2"/>
@@ -2805,7 +2806,7 @@
           </a:ln>
           <a:extLst>
             <a:ext uri="{909E8E84-426E-40dd-AFC4-6F175D3DCCD1}">
-              <a14:hiddenFill xmlns="" xmlns:a14="http://schemas.microsoft.com/office/drawing/2010/main">
+              <a14:hiddenFill xmlns:a14="http://schemas.microsoft.com/office/drawing/2010/main" xmlns="">
                 <a:noFill/>
               </a14:hiddenFill>
             </a:ext>
@@ -2842,14 +2843,14 @@
           <a:effectLst/>
           <a:extLst>
             <a:ext uri="{909E8E84-426E-40dd-AFC4-6F175D3DCCD1}">
-              <a14:hiddenFill xmlns="" xmlns:a14="http://schemas.microsoft.com/office/drawing/2010/main">
+              <a14:hiddenFill xmlns:a14="http://schemas.microsoft.com/office/drawing/2010/main" xmlns="">
                 <a:solidFill>
                   <a:schemeClr val="accent1"/>
                 </a:solidFill>
               </a14:hiddenFill>
             </a:ext>
             <a:ext uri="{91240B29-F687-4f45-9708-019B960494DF}">
-              <a14:hiddenLine xmlns="" xmlns:a14="http://schemas.microsoft.com/office/drawing/2010/main" w="9525">
+              <a14:hiddenLine xmlns:a14="http://schemas.microsoft.com/office/drawing/2010/main" xmlns="" w="9525">
                 <a:solidFill>
                   <a:schemeClr val="tx1"/>
                 </a:solidFill>
@@ -2859,7 +2860,7 @@
               </a14:hiddenLine>
             </a:ext>
             <a:ext uri="{AF507438-7753-43e0-B8FC-AC1667EBCBE1}">
-              <a14:hiddenEffects xmlns="" xmlns:a14="http://schemas.microsoft.com/office/drawing/2010/main">
+              <a14:hiddenEffects xmlns:a14="http://schemas.microsoft.com/office/drawing/2010/main" xmlns="">
                 <a:effectLst>
                   <a:outerShdw dist="35921" dir="2700000" algn="ctr" rotWithShape="0">
                     <a:schemeClr val="bg2"/>
@@ -2933,14 +2934,14 @@
           </a:ln>
           <a:extLst>
             <a:ext uri="{909E8E84-426E-40dd-AFC4-6F175D3DCCD1}">
-              <a14:hiddenFill xmlns="" xmlns:a14="http://schemas.microsoft.com/office/drawing/2010/main">
+              <a14:hiddenFill xmlns:a14="http://schemas.microsoft.com/office/drawing/2010/main" xmlns="">
                 <a:solidFill>
                   <a:srgbClr val="FFFFFF"/>
                 </a:solidFill>
               </a14:hiddenFill>
             </a:ext>
             <a:ext uri="{91240B29-F687-4f45-9708-019B960494DF}">
-              <a14:hiddenLine xmlns="" xmlns:a14="http://schemas.microsoft.com/office/drawing/2010/main" w="9525">
+              <a14:hiddenLine xmlns:a14="http://schemas.microsoft.com/office/drawing/2010/main" xmlns="" w="9525">
                 <a:solidFill>
                   <a:srgbClr val="000000"/>
                 </a:solidFill>
@@ -3050,14 +3051,14 @@
           <a:effectLst/>
           <a:extLst>
             <a:ext uri="{909E8E84-426E-40dd-AFC4-6F175D3DCCD1}">
-              <a14:hiddenFill xmlns="" xmlns:a14="http://schemas.microsoft.com/office/drawing/2010/main">
+              <a14:hiddenFill xmlns:a14="http://schemas.microsoft.com/office/drawing/2010/main" xmlns="">
                 <a:solidFill>
                   <a:schemeClr val="accent1"/>
                 </a:solidFill>
               </a14:hiddenFill>
             </a:ext>
             <a:ext uri="{91240B29-F687-4f45-9708-019B960494DF}">
-              <a14:hiddenLine xmlns="" xmlns:a14="http://schemas.microsoft.com/office/drawing/2010/main" w="9525">
+              <a14:hiddenLine xmlns:a14="http://schemas.microsoft.com/office/drawing/2010/main" xmlns="" w="9525">
                 <a:solidFill>
                   <a:schemeClr val="tx1"/>
                 </a:solidFill>
@@ -3067,7 +3068,7 @@
               </a14:hiddenLine>
             </a:ext>
             <a:ext uri="{AF507438-7753-43e0-B8FC-AC1667EBCBE1}">
-              <a14:hiddenEffects xmlns="" xmlns:a14="http://schemas.microsoft.com/office/drawing/2010/main">
+              <a14:hiddenEffects xmlns:a14="http://schemas.microsoft.com/office/drawing/2010/main" xmlns="">
                 <a:effectLst>
                   <a:outerShdw dist="35921" dir="2700000" algn="ctr" rotWithShape="0">
                     <a:schemeClr val="bg2"/>
@@ -3284,14 +3285,14 @@
           <a:effectLst/>
           <a:extLst>
             <a:ext uri="{909E8E84-426E-40dd-AFC4-6F175D3DCCD1}">
-              <a14:hiddenFill xmlns="" xmlns:a14="http://schemas.microsoft.com/office/drawing/2010/main">
+              <a14:hiddenFill xmlns:a14="http://schemas.microsoft.com/office/drawing/2010/main" xmlns="">
                 <a:solidFill>
                   <a:srgbClr val="FFFF99"/>
                 </a:solidFill>
               </a14:hiddenFill>
             </a:ext>
             <a:ext uri="{91240B29-F687-4f45-9708-019B960494DF}">
-              <a14:hiddenLine xmlns="" xmlns:a14="http://schemas.microsoft.com/office/drawing/2010/main" w="9525">
+              <a14:hiddenLine xmlns:a14="http://schemas.microsoft.com/office/drawing/2010/main" xmlns="" w="9525">
                 <a:solidFill>
                   <a:schemeClr val="tx1"/>
                 </a:solidFill>
@@ -3301,7 +3302,7 @@
               </a14:hiddenLine>
             </a:ext>
             <a:ext uri="{AF507438-7753-43e0-B8FC-AC1667EBCBE1}">
-              <a14:hiddenEffects xmlns="" xmlns:a14="http://schemas.microsoft.com/office/drawing/2010/main">
+              <a14:hiddenEffects xmlns:a14="http://schemas.microsoft.com/office/drawing/2010/main" xmlns="">
                 <a:effectLst>
                   <a:outerShdw dist="35921" dir="2700000" algn="ctr" rotWithShape="0">
                     <a:schemeClr val="bg2"/>
@@ -6763,7 +6764,7 @@
           </a:ln>
           <a:extLst>
             <a:ext uri="{909E8E84-426E-40dd-AFC4-6F175D3DCCD1}">
-              <a14:hiddenFill xmlns="" xmlns:a14="http://schemas.microsoft.com/office/drawing/2010/main">
+              <a14:hiddenFill xmlns:a14="http://schemas.microsoft.com/office/drawing/2010/main" xmlns="">
                 <a:noFill/>
               </a14:hiddenFill>
             </a:ext>
@@ -6800,14 +6801,14 @@
           <a:effectLst/>
           <a:extLst>
             <a:ext uri="{909E8E84-426E-40dd-AFC4-6F175D3DCCD1}">
-              <a14:hiddenFill xmlns="" xmlns:a14="http://schemas.microsoft.com/office/drawing/2010/main">
+              <a14:hiddenFill xmlns:a14="http://schemas.microsoft.com/office/drawing/2010/main" xmlns="">
                 <a:solidFill>
                   <a:srgbClr val="E9503E"/>
                 </a:solidFill>
               </a14:hiddenFill>
             </a:ext>
             <a:ext uri="{91240B29-F687-4f45-9708-019B960494DF}">
-              <a14:hiddenLine xmlns="" xmlns:a14="http://schemas.microsoft.com/office/drawing/2010/main" w="9525">
+              <a14:hiddenLine xmlns:a14="http://schemas.microsoft.com/office/drawing/2010/main" xmlns="" w="9525">
                 <a:solidFill>
                   <a:schemeClr val="tx1"/>
                 </a:solidFill>
@@ -6817,7 +6818,7 @@
               </a14:hiddenLine>
             </a:ext>
             <a:ext uri="{AF507438-7753-43e0-B8FC-AC1667EBCBE1}">
-              <a14:hiddenEffects xmlns="" xmlns:a14="http://schemas.microsoft.com/office/drawing/2010/main">
+              <a14:hiddenEffects xmlns:a14="http://schemas.microsoft.com/office/drawing/2010/main" xmlns="">
                 <a:effectLst>
                   <a:outerShdw dist="35921" dir="2700000" algn="ctr" rotWithShape="0">
                     <a:schemeClr val="bg2"/>
@@ -6860,14 +6861,14 @@
           <a:effectLst/>
           <a:extLst>
             <a:ext uri="{909E8E84-426E-40dd-AFC4-6F175D3DCCD1}">
-              <a14:hiddenFill xmlns="" xmlns:a14="http://schemas.microsoft.com/office/drawing/2010/main">
+              <a14:hiddenFill xmlns:a14="http://schemas.microsoft.com/office/drawing/2010/main" xmlns="">
                 <a:solidFill>
                   <a:schemeClr val="accent1"/>
                 </a:solidFill>
               </a14:hiddenFill>
             </a:ext>
             <a:ext uri="{91240B29-F687-4f45-9708-019B960494DF}">
-              <a14:hiddenLine xmlns="" xmlns:a14="http://schemas.microsoft.com/office/drawing/2010/main" w="9525">
+              <a14:hiddenLine xmlns:a14="http://schemas.microsoft.com/office/drawing/2010/main" xmlns="" w="9525">
                 <a:solidFill>
                   <a:schemeClr val="tx1"/>
                 </a:solidFill>
@@ -6877,7 +6878,7 @@
               </a14:hiddenLine>
             </a:ext>
             <a:ext uri="{AF507438-7753-43e0-B8FC-AC1667EBCBE1}">
-              <a14:hiddenEffects xmlns="" xmlns:a14="http://schemas.microsoft.com/office/drawing/2010/main">
+              <a14:hiddenEffects xmlns:a14="http://schemas.microsoft.com/office/drawing/2010/main" xmlns="">
                 <a:effectLst>
                   <a:outerShdw dist="35921" dir="2700000" algn="ctr" rotWithShape="0">
                     <a:schemeClr val="bg2"/>
@@ -6928,14 +6929,14 @@
           <a:effectLst/>
           <a:extLst>
             <a:ext uri="{909E8E84-426E-40dd-AFC4-6F175D3DCCD1}">
-              <a14:hiddenFill xmlns="" xmlns:a14="http://schemas.microsoft.com/office/drawing/2010/main">
+              <a14:hiddenFill xmlns:a14="http://schemas.microsoft.com/office/drawing/2010/main" xmlns="">
                 <a:solidFill>
                   <a:schemeClr val="accent1"/>
                 </a:solidFill>
               </a14:hiddenFill>
             </a:ext>
             <a:ext uri="{91240B29-F687-4f45-9708-019B960494DF}">
-              <a14:hiddenLine xmlns="" xmlns:a14="http://schemas.microsoft.com/office/drawing/2010/main" w="9525">
+              <a14:hiddenLine xmlns:a14="http://schemas.microsoft.com/office/drawing/2010/main" xmlns="" w="9525">
                 <a:solidFill>
                   <a:schemeClr val="tx1"/>
                 </a:solidFill>
@@ -6945,7 +6946,7 @@
               </a14:hiddenLine>
             </a:ext>
             <a:ext uri="{AF507438-7753-43e0-B8FC-AC1667EBCBE1}">
-              <a14:hiddenEffects xmlns="" xmlns:a14="http://schemas.microsoft.com/office/drawing/2010/main">
+              <a14:hiddenEffects xmlns:a14="http://schemas.microsoft.com/office/drawing/2010/main" xmlns="">
                 <a:effectLst>
                   <a:outerShdw dist="35921" dir="2700000" algn="ctr" rotWithShape="0">
                     <a:schemeClr val="bg2"/>
@@ -7024,14 +7025,14 @@
           <a:effectLst/>
           <a:extLst>
             <a:ext uri="{909E8E84-426E-40dd-AFC4-6F175D3DCCD1}">
-              <a14:hiddenFill xmlns="" xmlns:a14="http://schemas.microsoft.com/office/drawing/2010/main">
+              <a14:hiddenFill xmlns:a14="http://schemas.microsoft.com/office/drawing/2010/main" xmlns="">
                 <a:solidFill>
                   <a:schemeClr val="accent1"/>
                 </a:solidFill>
               </a14:hiddenFill>
             </a:ext>
             <a:ext uri="{91240B29-F687-4f45-9708-019B960494DF}">
-              <a14:hiddenLine xmlns="" xmlns:a14="http://schemas.microsoft.com/office/drawing/2010/main" w="9525">
+              <a14:hiddenLine xmlns:a14="http://schemas.microsoft.com/office/drawing/2010/main" xmlns="" w="9525">
                 <a:solidFill>
                   <a:schemeClr val="tx1"/>
                 </a:solidFill>
@@ -7041,7 +7042,7 @@
               </a14:hiddenLine>
             </a:ext>
             <a:ext uri="{AF507438-7753-43e0-B8FC-AC1667EBCBE1}">
-              <a14:hiddenEffects xmlns="" xmlns:a14="http://schemas.microsoft.com/office/drawing/2010/main">
+              <a14:hiddenEffects xmlns:a14="http://schemas.microsoft.com/office/drawing/2010/main" xmlns="">
                 <a:effectLst>
                   <a:outerShdw dist="35921" dir="2700000" algn="ctr" rotWithShape="0">
                     <a:schemeClr val="bg2"/>
@@ -7112,7 +7113,7 @@
           </a:ln>
           <a:extLst>
             <a:ext uri="{91240B29-F687-4f45-9708-019B960494DF}">
-              <a14:hiddenLine xmlns="" xmlns:a14="http://schemas.microsoft.com/office/drawing/2010/main" w="3175">
+              <a14:hiddenLine xmlns:a14="http://schemas.microsoft.com/office/drawing/2010/main" xmlns="" w="3175">
                 <a:solidFill>
                   <a:srgbClr val="B5B5B5"/>
                 </a:solidFill>
@@ -7166,14 +7167,14 @@
           </a:ln>
           <a:extLst>
             <a:ext uri="{909E8E84-426E-40dd-AFC4-6F175D3DCCD1}">
-              <a14:hiddenFill xmlns="" xmlns:a14="http://schemas.microsoft.com/office/drawing/2010/main">
+              <a14:hiddenFill xmlns:a14="http://schemas.microsoft.com/office/drawing/2010/main" xmlns="">
                 <a:solidFill>
                   <a:srgbClr val="FFFFFF"/>
                 </a:solidFill>
               </a14:hiddenFill>
             </a:ext>
             <a:ext uri="{91240B29-F687-4f45-9708-019B960494DF}">
-              <a14:hiddenLine xmlns="" xmlns:a14="http://schemas.microsoft.com/office/drawing/2010/main" w="9525">
+              <a14:hiddenLine xmlns:a14="http://schemas.microsoft.com/office/drawing/2010/main" xmlns="" w="9525">
                 <a:solidFill>
                   <a:srgbClr val="000000"/>
                 </a:solidFill>
@@ -7212,7 +7213,7 @@
           </a:ln>
           <a:extLst>
             <a:ext uri="{909E8E84-426E-40dd-AFC4-6F175D3DCCD1}">
-              <a14:hiddenFill xmlns="" xmlns:a14="http://schemas.microsoft.com/office/drawing/2010/main">
+              <a14:hiddenFill xmlns:a14="http://schemas.microsoft.com/office/drawing/2010/main" xmlns="">
                 <a:noFill/>
               </a14:hiddenFill>
             </a:ext>
@@ -7251,7 +7252,7 @@
           <a:effectLst/>
           <a:extLst>
             <a:ext uri="{91240B29-F687-4f45-9708-019B960494DF}">
-              <a14:hiddenLine xmlns="" xmlns:a14="http://schemas.microsoft.com/office/drawing/2010/main" w="9525">
+              <a14:hiddenLine xmlns:a14="http://schemas.microsoft.com/office/drawing/2010/main" xmlns="" w="9525">
                 <a:solidFill>
                   <a:schemeClr val="tx1"/>
                 </a:solidFill>
@@ -7261,7 +7262,7 @@
               </a14:hiddenLine>
             </a:ext>
             <a:ext uri="{AF507438-7753-43e0-B8FC-AC1667EBCBE1}">
-              <a14:hiddenEffects xmlns="" xmlns:a14="http://schemas.microsoft.com/office/drawing/2010/main">
+              <a14:hiddenEffects xmlns:a14="http://schemas.microsoft.com/office/drawing/2010/main" xmlns="">
                 <a:effectLst>
                   <a:outerShdw dist="35921" dir="2700000" algn="ctr" rotWithShape="0">
                     <a:schemeClr val="bg2"/>
@@ -7302,14 +7303,14 @@
           <a:effectLst/>
           <a:extLst>
             <a:ext uri="{909E8E84-426E-40dd-AFC4-6F175D3DCCD1}">
-              <a14:hiddenFill xmlns="" xmlns:a14="http://schemas.microsoft.com/office/drawing/2010/main">
+              <a14:hiddenFill xmlns:a14="http://schemas.microsoft.com/office/drawing/2010/main" xmlns="">
                 <a:solidFill>
                   <a:schemeClr val="accent1"/>
                 </a:solidFill>
               </a14:hiddenFill>
             </a:ext>
             <a:ext uri="{91240B29-F687-4f45-9708-019B960494DF}">
-              <a14:hiddenLine xmlns="" xmlns:a14="http://schemas.microsoft.com/office/drawing/2010/main" w="9525">
+              <a14:hiddenLine xmlns:a14="http://schemas.microsoft.com/office/drawing/2010/main" xmlns="" w="9525">
                 <a:solidFill>
                   <a:schemeClr val="tx1"/>
                 </a:solidFill>
@@ -7319,7 +7320,7 @@
               </a14:hiddenLine>
             </a:ext>
             <a:ext uri="{AF507438-7753-43e0-B8FC-AC1667EBCBE1}">
-              <a14:hiddenEffects xmlns="" xmlns:a14="http://schemas.microsoft.com/office/drawing/2010/main">
+              <a14:hiddenEffects xmlns:a14="http://schemas.microsoft.com/office/drawing/2010/main" xmlns="">
                 <a:effectLst>
                   <a:outerShdw dist="35921" dir="2700000" algn="ctr" rotWithShape="0">
                     <a:schemeClr val="bg2"/>
@@ -7384,14 +7385,14 @@
           <a:effectLst/>
           <a:extLst>
             <a:ext uri="{909E8E84-426E-40dd-AFC4-6F175D3DCCD1}">
-              <a14:hiddenFill xmlns="" xmlns:a14="http://schemas.microsoft.com/office/drawing/2010/main">
+              <a14:hiddenFill xmlns:a14="http://schemas.microsoft.com/office/drawing/2010/main" xmlns="">
                 <a:solidFill>
                   <a:schemeClr val="accent1"/>
                 </a:solidFill>
               </a14:hiddenFill>
             </a:ext>
             <a:ext uri="{91240B29-F687-4f45-9708-019B960494DF}">
-              <a14:hiddenLine xmlns="" xmlns:a14="http://schemas.microsoft.com/office/drawing/2010/main" w="9525">
+              <a14:hiddenLine xmlns:a14="http://schemas.microsoft.com/office/drawing/2010/main" xmlns="" w="9525">
                 <a:solidFill>
                   <a:schemeClr val="tx1"/>
                 </a:solidFill>
@@ -7401,7 +7402,7 @@
               </a14:hiddenLine>
             </a:ext>
             <a:ext uri="{AF507438-7753-43e0-B8FC-AC1667EBCBE1}">
-              <a14:hiddenEffects xmlns="" xmlns:a14="http://schemas.microsoft.com/office/drawing/2010/main">
+              <a14:hiddenEffects xmlns:a14="http://schemas.microsoft.com/office/drawing/2010/main" xmlns="">
                 <a:effectLst>
                   <a:outerShdw dist="35921" dir="2700000" algn="ctr" rotWithShape="0">
                     <a:schemeClr val="bg2"/>
@@ -7965,14 +7966,14 @@
           <a:effectLst/>
           <a:extLst>
             <a:ext uri="{909E8E84-426E-40dd-AFC4-6F175D3DCCD1}">
-              <a14:hiddenFill xmlns="" xmlns:a14="http://schemas.microsoft.com/office/drawing/2010/main">
+              <a14:hiddenFill xmlns:a14="http://schemas.microsoft.com/office/drawing/2010/main" xmlns="">
                 <a:solidFill>
                   <a:schemeClr val="accent1"/>
                 </a:solidFill>
               </a14:hiddenFill>
             </a:ext>
             <a:ext uri="{91240B29-F687-4f45-9708-019B960494DF}">
-              <a14:hiddenLine xmlns="" xmlns:a14="http://schemas.microsoft.com/office/drawing/2010/main" w="9525">
+              <a14:hiddenLine xmlns:a14="http://schemas.microsoft.com/office/drawing/2010/main" xmlns="" w="9525">
                 <a:solidFill>
                   <a:schemeClr val="tx1"/>
                 </a:solidFill>
@@ -7982,7 +7983,7 @@
               </a14:hiddenLine>
             </a:ext>
             <a:ext uri="{AF507438-7753-43e0-B8FC-AC1667EBCBE1}">
-              <a14:hiddenEffects xmlns="" xmlns:a14="http://schemas.microsoft.com/office/drawing/2010/main">
+              <a14:hiddenEffects xmlns:a14="http://schemas.microsoft.com/office/drawing/2010/main" xmlns="">
                 <a:effectLst>
                   <a:outerShdw dist="35921" dir="2700000" algn="ctr" rotWithShape="0">
                     <a:schemeClr val="bg2"/>
@@ -17572,103 +17573,32 @@
           <a:chExt cx="0" cy="0"/>
         </a:xfrm>
       </p:grpSpPr>
-      <p:sp>
-        <p:nvSpPr>
-          <p:cNvPr id="2" name="Inhaltsplatzhalter 1"/>
-          <p:cNvSpPr>
-            <a:spLocks noGrp="1"/>
-          </p:cNvSpPr>
+      <p:pic>
+        <p:nvPicPr>
+          <p:cNvPr id="5" name="Inhaltsplatzhalter 4"/>
+          <p:cNvPicPr>
+            <a:picLocks noGrp="1" noChangeAspect="1"/>
+          </p:cNvPicPr>
           <p:nvPr>
             <p:ph idx="1"/>
           </p:nvPr>
-        </p:nvSpPr>
-        <p:spPr/>
-        <p:txBody>
-          <a:bodyPr/>
-          <a:lstStyle/>
-          <a:p>
-            <a:endParaRPr lang="de-DE" dirty="0" smtClean="0"/>
-          </a:p>
-          <a:p>
-            <a:r>
-              <a:rPr lang="de-DE" dirty="0" smtClean="0"/>
-              <a:t>Direct3D11 </a:t>
-            </a:r>
-            <a:r>
-              <a:rPr lang="de-DE" dirty="0" err="1" smtClean="0"/>
-              <a:t>and</a:t>
-            </a:r>
-            <a:r>
-              <a:rPr lang="de-DE" dirty="0" smtClean="0"/>
-              <a:t> OpenGL </a:t>
-            </a:r>
-            <a:r>
-              <a:rPr lang="de-DE" dirty="0" err="1" smtClean="0"/>
-              <a:t>now</a:t>
-            </a:r>
-            <a:r>
-              <a:rPr lang="de-DE" dirty="0" smtClean="0"/>
-              <a:t> </a:t>
-            </a:r>
-            <a:r>
-              <a:rPr lang="de-DE" dirty="0" err="1" smtClean="0"/>
-              <a:t>have</a:t>
-            </a:r>
-            <a:r>
-              <a:rPr lang="de-DE" dirty="0" smtClean="0"/>
-              <a:t> </a:t>
-            </a:r>
-            <a:r>
-              <a:rPr lang="de-DE" dirty="0" err="1" smtClean="0"/>
-              <a:t>performance</a:t>
-            </a:r>
-            <a:r>
-              <a:rPr lang="de-DE" dirty="0" smtClean="0"/>
-              <a:t> </a:t>
-            </a:r>
-            <a:r>
-              <a:rPr lang="de-DE" dirty="0" err="1" smtClean="0"/>
-              <a:t>query</a:t>
-            </a:r>
-            <a:r>
-              <a:rPr lang="de-DE" dirty="0" smtClean="0"/>
-              <a:t> </a:t>
-            </a:r>
-            <a:r>
-              <a:rPr lang="de-DE" dirty="0" err="1" smtClean="0"/>
-              <a:t>apis</a:t>
-            </a:r>
-            <a:endParaRPr lang="de-DE" dirty="0" smtClean="0"/>
-          </a:p>
-          <a:p>
-            <a:pPr lvl="1"/>
-            <a:r>
-              <a:rPr lang="de-DE" dirty="0"/>
-              <a:t>ID3D11Query</a:t>
-            </a:r>
-            <a:endParaRPr lang="de-DE" dirty="0" smtClean="0"/>
-          </a:p>
-          <a:p>
-            <a:pPr lvl="1"/>
-            <a:r>
-              <a:rPr lang="de-DE" dirty="0" err="1" smtClean="0"/>
-              <a:t>ARB_timer_query</a:t>
-            </a:r>
-            <a:endParaRPr lang="de-DE" dirty="0" smtClean="0"/>
-          </a:p>
-          <a:p>
-            <a:pPr lvl="1"/>
-            <a:endParaRPr lang="de-DE" dirty="0"/>
-          </a:p>
-          <a:p>
-            <a:pPr lvl="2"/>
-            <a:endParaRPr lang="de-DE" dirty="0"/>
-          </a:p>
-          <a:p>
-            <a:endParaRPr lang="de-DE" dirty="0" smtClean="0"/>
-          </a:p>
-        </p:txBody>
-      </p:sp>
+        </p:nvPicPr>
+        <p:blipFill>
+          <a:blip r:embed="rId2"/>
+          <a:stretch>
+            <a:fillRect/>
+          </a:stretch>
+        </p:blipFill>
+        <p:spPr>
+          <a:xfrm>
+            <a:off x="250825" y="1661305"/>
+            <a:ext cx="8640763" cy="4614891"/>
+          </a:xfrm>
+          <a:prstGeom prst="rect">
+            <a:avLst/>
+          </a:prstGeom>
+        </p:spPr>
+      </p:pic>
       <p:sp>
         <p:nvSpPr>
           <p:cNvPr id="3" name="Fußzeilenplatzhalter 2"/>
@@ -17712,14 +17642,18 @@
           <a:bodyPr/>
           <a:lstStyle/>
           <a:p>
-            <a:endParaRPr lang="de-DE"/>
+            <a:r>
+              <a:rPr lang="de-DE" dirty="0" err="1" smtClean="0"/>
+              <a:t>nSight</a:t>
+            </a:r>
+            <a:endParaRPr lang="de-DE" dirty="0"/>
           </a:p>
         </p:txBody>
       </p:sp>
     </p:spTree>
     <p:extLst>
       <p:ext uri="{BB962C8B-B14F-4D97-AF65-F5344CB8AC3E}">
-        <p14:creationId xmlns:p14="http://schemas.microsoft.com/office/powerpoint/2010/main" val="1502543170"/>
+        <p14:creationId xmlns:p14="http://schemas.microsoft.com/office/powerpoint/2010/main" val="4094857240"/>
       </p:ext>
     </p:extLst>
   </p:cSld>
@@ -17761,34 +17695,85 @@
           <a:bodyPr/>
           <a:lstStyle/>
           <a:p>
-            <a:endParaRPr lang="de-DE" b="0" dirty="0"/>
-          </a:p>
-          <a:p>
+            <a:endParaRPr lang="de-DE" dirty="0" smtClean="0"/>
+          </a:p>
+          <a:p>
+            <a:r>
+              <a:rPr lang="de-DE" dirty="0" smtClean="0"/>
+              <a:t>Direct3D11 </a:t>
+            </a:r>
+            <a:r>
+              <a:rPr lang="de-DE" dirty="0" err="1" smtClean="0"/>
+              <a:t>and</a:t>
+            </a:r>
+            <a:r>
+              <a:rPr lang="de-DE" dirty="0" smtClean="0"/>
+              <a:t> OpenGL </a:t>
+            </a:r>
+            <a:r>
+              <a:rPr lang="de-DE" dirty="0" err="1" smtClean="0"/>
+              <a:t>now</a:t>
+            </a:r>
+            <a:r>
+              <a:rPr lang="de-DE" dirty="0" smtClean="0"/>
+              <a:t> </a:t>
+            </a:r>
+            <a:r>
+              <a:rPr lang="de-DE" dirty="0" err="1" smtClean="0"/>
+              <a:t>have</a:t>
+            </a:r>
+            <a:r>
+              <a:rPr lang="de-DE" dirty="0" smtClean="0"/>
+              <a:t> </a:t>
+            </a:r>
+            <a:r>
+              <a:rPr lang="de-DE" dirty="0" err="1" smtClean="0"/>
+              <a:t>performance</a:t>
+            </a:r>
+            <a:r>
+              <a:rPr lang="de-DE" dirty="0" smtClean="0"/>
+              <a:t> </a:t>
+            </a:r>
+            <a:r>
+              <a:rPr lang="de-DE" dirty="0" err="1" smtClean="0"/>
+              <a:t>query</a:t>
+            </a:r>
+            <a:r>
+              <a:rPr lang="de-DE" dirty="0" smtClean="0"/>
+              <a:t> </a:t>
+            </a:r>
+            <a:r>
+              <a:rPr lang="de-DE" dirty="0" err="1" smtClean="0"/>
+              <a:t>apis</a:t>
+            </a:r>
+            <a:endParaRPr lang="de-DE" dirty="0" smtClean="0"/>
+          </a:p>
+          <a:p>
+            <a:pPr lvl="1"/>
             <a:r>
               <a:rPr lang="de-DE" dirty="0"/>
-              <a:t>2.1 Hardware </a:t>
-            </a:r>
-            <a:endParaRPr lang="de-DE" b="0" dirty="0"/>
-          </a:p>
-          <a:p>
-            <a:r>
-              <a:rPr lang="en-US" b="0" dirty="0"/>
-              <a:t>What makes it so important that texture compression algorithms are directly supported by the hardware</a:t>
-            </a:r>
-            <a:r>
-              <a:rPr lang="en-US" b="0" dirty="0" smtClean="0"/>
-              <a:t>?</a:t>
-            </a:r>
-          </a:p>
-          <a:p>
-            <a:endParaRPr lang="en-US" b="0" dirty="0"/>
-          </a:p>
-          <a:p>
-            <a:r>
-              <a:rPr lang="en-US" b="0" dirty="0" smtClean="0"/>
-              <a:t>Reading pixels is the most fundamental and speed critical operation of GPUs.</a:t>
-            </a:r>
+              <a:t>ID3D11Query</a:t>
+            </a:r>
+            <a:endParaRPr lang="de-DE" dirty="0" smtClean="0"/>
+          </a:p>
+          <a:p>
+            <a:pPr lvl="1"/>
+            <a:r>
+              <a:rPr lang="de-DE" dirty="0" err="1" smtClean="0"/>
+              <a:t>ARB_timer_query</a:t>
+            </a:r>
+            <a:endParaRPr lang="de-DE" dirty="0" smtClean="0"/>
+          </a:p>
+          <a:p>
+            <a:pPr lvl="1"/>
             <a:endParaRPr lang="de-DE" dirty="0"/>
+          </a:p>
+          <a:p>
+            <a:pPr lvl="2"/>
+            <a:endParaRPr lang="de-DE" dirty="0"/>
+          </a:p>
+          <a:p>
+            <a:endParaRPr lang="de-DE" dirty="0" smtClean="0"/>
           </a:p>
         </p:txBody>
       </p:sp>
@@ -17842,7 +17827,7 @@
     </p:spTree>
     <p:extLst>
       <p:ext uri="{BB962C8B-B14F-4D97-AF65-F5344CB8AC3E}">
-        <p14:creationId xmlns:p14="http://schemas.microsoft.com/office/powerpoint/2010/main" val="1859205492"/>
+        <p14:creationId xmlns:p14="http://schemas.microsoft.com/office/powerpoint/2010/main" val="1502543170"/>
       </p:ext>
     </p:extLst>
   </p:cSld>
@@ -17889,6 +17874,129 @@
           <a:p>
             <a:r>
               <a:rPr lang="de-DE" dirty="0"/>
+              <a:t>2.1 Hardware </a:t>
+            </a:r>
+            <a:endParaRPr lang="de-DE" b="0" dirty="0"/>
+          </a:p>
+          <a:p>
+            <a:r>
+              <a:rPr lang="en-US" b="0" dirty="0"/>
+              <a:t>What makes it so important that texture compression algorithms are directly supported by the hardware</a:t>
+            </a:r>
+            <a:r>
+              <a:rPr lang="en-US" b="0" dirty="0" smtClean="0"/>
+              <a:t>?</a:t>
+            </a:r>
+          </a:p>
+          <a:p>
+            <a:endParaRPr lang="en-US" b="0" dirty="0"/>
+          </a:p>
+          <a:p>
+            <a:r>
+              <a:rPr lang="en-US" b="0" dirty="0" smtClean="0"/>
+              <a:t>Reading pixels is the most fundamental and speed critical operation of GPUs.</a:t>
+            </a:r>
+            <a:endParaRPr lang="de-DE" dirty="0"/>
+          </a:p>
+        </p:txBody>
+      </p:sp>
+      <p:sp>
+        <p:nvSpPr>
+          <p:cNvPr id="3" name="Fußzeilenplatzhalter 2"/>
+          <p:cNvSpPr>
+            <a:spLocks noGrp="1"/>
+          </p:cNvSpPr>
+          <p:nvPr>
+            <p:ph type="ftr" sz="quarter" idx="10"/>
+          </p:nvPr>
+        </p:nvSpPr>
+        <p:spPr/>
+        <p:txBody>
+          <a:bodyPr/>
+          <a:lstStyle/>
+          <a:p>
+            <a:pPr>
+              <a:defRPr/>
+            </a:pPr>
+            <a:endParaRPr lang="de-DE" smtClean="0"/>
+          </a:p>
+          <a:p>
+            <a:pPr>
+              <a:defRPr/>
+            </a:pPr>
+            <a:endParaRPr lang="de-DE"/>
+          </a:p>
+        </p:txBody>
+      </p:sp>
+      <p:sp>
+        <p:nvSpPr>
+          <p:cNvPr id="4" name="Titel 3"/>
+          <p:cNvSpPr>
+            <a:spLocks noGrp="1"/>
+          </p:cNvSpPr>
+          <p:nvPr>
+            <p:ph type="title"/>
+          </p:nvPr>
+        </p:nvSpPr>
+        <p:spPr/>
+        <p:txBody>
+          <a:bodyPr/>
+          <a:lstStyle/>
+          <a:p>
+            <a:endParaRPr lang="de-DE"/>
+          </a:p>
+        </p:txBody>
+      </p:sp>
+    </p:spTree>
+    <p:extLst>
+      <p:ext uri="{BB962C8B-B14F-4D97-AF65-F5344CB8AC3E}">
+        <p14:creationId xmlns:p14="http://schemas.microsoft.com/office/powerpoint/2010/main" val="1859205492"/>
+      </p:ext>
+    </p:extLst>
+  </p:cSld>
+  <p:clrMapOvr>
+    <a:masterClrMapping/>
+  </p:clrMapOvr>
+</p:sld>
+</file>
+
+<file path=ppt/slides/slide48.xml><?xml version="1.0" encoding="utf-8"?>
+<p:sld xmlns:a="http://schemas.openxmlformats.org/drawingml/2006/main" xmlns:r="http://schemas.openxmlformats.org/officeDocument/2006/relationships" xmlns:p="http://schemas.openxmlformats.org/presentationml/2006/main">
+  <p:cSld>
+    <p:spTree>
+      <p:nvGrpSpPr>
+        <p:cNvPr id="1" name=""/>
+        <p:cNvGrpSpPr/>
+        <p:nvPr/>
+      </p:nvGrpSpPr>
+      <p:grpSpPr>
+        <a:xfrm>
+          <a:off x="0" y="0"/>
+          <a:ext cx="0" cy="0"/>
+          <a:chOff x="0" y="0"/>
+          <a:chExt cx="0" cy="0"/>
+        </a:xfrm>
+      </p:grpSpPr>
+      <p:sp>
+        <p:nvSpPr>
+          <p:cNvPr id="2" name="Inhaltsplatzhalter 1"/>
+          <p:cNvSpPr>
+            <a:spLocks noGrp="1"/>
+          </p:cNvSpPr>
+          <p:nvPr>
+            <p:ph idx="1"/>
+          </p:nvPr>
+        </p:nvSpPr>
+        <p:spPr/>
+        <p:txBody>
+          <a:bodyPr/>
+          <a:lstStyle/>
+          <a:p>
+            <a:endParaRPr lang="de-DE" b="0" dirty="0"/>
+          </a:p>
+          <a:p>
+            <a:r>
+              <a:rPr lang="de-DE" dirty="0"/>
               <a:t>2.2 </a:t>
             </a:r>
             <a:r>
@@ -17991,7 +18099,7 @@
 </p:sld>
 </file>
 
-<file path=ppt/slides/slide48.xml><?xml version="1.0" encoding="utf-8"?>
+<file path=ppt/slides/slide49.xml><?xml version="1.0" encoding="utf-8"?>
 <p:sld xmlns:a="http://schemas.openxmlformats.org/drawingml/2006/main" xmlns:r="http://schemas.openxmlformats.org/officeDocument/2006/relationships" xmlns:p="http://schemas.openxmlformats.org/presentationml/2006/main">
   <p:cSld>
     <p:spTree>
@@ -19614,7 +19722,7 @@
         <a:effectLst/>
         <a:extLst>
           <a:ext uri="{AF507438-7753-43e0-B8FC-AC1667EBCBE1}">
-            <a14:hiddenEffects xmlns="" xmlns:a14="http://schemas.microsoft.com/office/drawing/2010/main">
+            <a14:hiddenEffects xmlns:a14="http://schemas.microsoft.com/office/drawing/2010/main" xmlns="">
               <a:effectLst>
                 <a:outerShdw dist="35921" dir="2700000" algn="ctr" rotWithShape="0">
                   <a:schemeClr val="bg2"/>
@@ -19689,7 +19797,7 @@
         <a:effectLst/>
         <a:extLst>
           <a:ext uri="{AF507438-7753-43e0-B8FC-AC1667EBCBE1}">
-            <a14:hiddenEffects xmlns="" xmlns:a14="http://schemas.microsoft.com/office/drawing/2010/main">
+            <a14:hiddenEffects xmlns:a14="http://schemas.microsoft.com/office/drawing/2010/main" xmlns="">
               <a:effectLst>
                 <a:outerShdw dist="35921" dir="2700000" algn="ctr" rotWithShape="0">
                   <a:schemeClr val="bg2"/>
